--- a/docs/diagrams/LogicComponentSequenceDiagram.pptx
+++ b/docs/diagrams/LogicComponentSequenceDiagram.pptx
@@ -109,7 +109,7 @@
   </p:defaultTextStyle>
   <p:extLst>
     <p:ext uri="{EFAFB233-063F-42B5-8137-9DF3F51BA10A}">
-      <p15:sldGuideLst xmlns:p15="http://schemas.microsoft.com/office/powerpoint/2012/main">
+      <p15:sldGuideLst xmlns:p15="http://schemas.microsoft.com/office/powerpoint/2012/main" xmlns="">
         <p15:guide id="1" orient="horz" pos="1488">
           <p15:clr>
             <a:srgbClr val="A4A3A4"/>
@@ -212,7 +212,7 @@
           <a:p>
             <a:fld id="{F5CC4B3F-88C1-4FFA-B1B6-F41C21DC6924}" type="datetimeFigureOut">
               <a:rPr lang="en-US" smtClean="0"/>
-              <a:t>7/11/2017</a:t>
+              <a:t>3/5/2018</a:t>
             </a:fld>
             <a:endParaRPr lang="en-US"/>
           </a:p>
@@ -658,7 +658,7 @@
           <a:p>
             <a:fld id="{78C97017-6FC3-485B-9764-EAC9E56C1D49}" type="datetimeFigureOut">
               <a:rPr lang="en-US" smtClean="0"/>
-              <a:t>7/11/2017</a:t>
+              <a:t>3/5/2018</a:t>
             </a:fld>
             <a:endParaRPr lang="en-US"/>
           </a:p>
@@ -826,7 +826,7 @@
           <a:p>
             <a:fld id="{78C97017-6FC3-485B-9764-EAC9E56C1D49}" type="datetimeFigureOut">
               <a:rPr lang="en-US" smtClean="0"/>
-              <a:t>7/11/2017</a:t>
+              <a:t>3/5/2018</a:t>
             </a:fld>
             <a:endParaRPr lang="en-US"/>
           </a:p>
@@ -1004,7 +1004,7 @@
           <a:p>
             <a:fld id="{78C97017-6FC3-485B-9764-EAC9E56C1D49}" type="datetimeFigureOut">
               <a:rPr lang="en-US" smtClean="0"/>
-              <a:t>7/11/2017</a:t>
+              <a:t>3/5/2018</a:t>
             </a:fld>
             <a:endParaRPr lang="en-US"/>
           </a:p>
@@ -1172,7 +1172,7 @@
           <a:p>
             <a:fld id="{78C97017-6FC3-485B-9764-EAC9E56C1D49}" type="datetimeFigureOut">
               <a:rPr lang="en-US" smtClean="0"/>
-              <a:t>7/11/2017</a:t>
+              <a:t>3/5/2018</a:t>
             </a:fld>
             <a:endParaRPr lang="en-US"/>
           </a:p>
@@ -1417,7 +1417,7 @@
           <a:p>
             <a:fld id="{78C97017-6FC3-485B-9764-EAC9E56C1D49}" type="datetimeFigureOut">
               <a:rPr lang="en-US" smtClean="0"/>
-              <a:t>7/11/2017</a:t>
+              <a:t>3/5/2018</a:t>
             </a:fld>
             <a:endParaRPr lang="en-US"/>
           </a:p>
@@ -1702,7 +1702,7 @@
           <a:p>
             <a:fld id="{78C97017-6FC3-485B-9764-EAC9E56C1D49}" type="datetimeFigureOut">
               <a:rPr lang="en-US" smtClean="0"/>
-              <a:t>7/11/2017</a:t>
+              <a:t>3/5/2018</a:t>
             </a:fld>
             <a:endParaRPr lang="en-US"/>
           </a:p>
@@ -2121,7 +2121,7 @@
           <a:p>
             <a:fld id="{78C97017-6FC3-485B-9764-EAC9E56C1D49}" type="datetimeFigureOut">
               <a:rPr lang="en-US" smtClean="0"/>
-              <a:t>7/11/2017</a:t>
+              <a:t>3/5/2018</a:t>
             </a:fld>
             <a:endParaRPr lang="en-US"/>
           </a:p>
@@ -2238,7 +2238,7 @@
           <a:p>
             <a:fld id="{78C97017-6FC3-485B-9764-EAC9E56C1D49}" type="datetimeFigureOut">
               <a:rPr lang="en-US" smtClean="0"/>
-              <a:t>7/11/2017</a:t>
+              <a:t>3/5/2018</a:t>
             </a:fld>
             <a:endParaRPr lang="en-US"/>
           </a:p>
@@ -2333,7 +2333,7 @@
           <a:p>
             <a:fld id="{78C97017-6FC3-485B-9764-EAC9E56C1D49}" type="datetimeFigureOut">
               <a:rPr lang="en-US" smtClean="0"/>
-              <a:t>7/11/2017</a:t>
+              <a:t>3/5/2018</a:t>
             </a:fld>
             <a:endParaRPr lang="en-US"/>
           </a:p>
@@ -2608,7 +2608,7 @@
           <a:p>
             <a:fld id="{78C97017-6FC3-485B-9764-EAC9E56C1D49}" type="datetimeFigureOut">
               <a:rPr lang="en-US" smtClean="0"/>
-              <a:t>7/11/2017</a:t>
+              <a:t>3/5/2018</a:t>
             </a:fld>
             <a:endParaRPr lang="en-US"/>
           </a:p>
@@ -2860,7 +2860,7 @@
           <a:p>
             <a:fld id="{78C97017-6FC3-485B-9764-EAC9E56C1D49}" type="datetimeFigureOut">
               <a:rPr lang="en-US" smtClean="0"/>
-              <a:t>7/11/2017</a:t>
+              <a:t>3/5/2018</a:t>
             </a:fld>
             <a:endParaRPr lang="en-US"/>
           </a:p>
@@ -3071,7 +3071,7 @@
           <a:p>
             <a:fld id="{78C97017-6FC3-485B-9764-EAC9E56C1D49}" type="datetimeFigureOut">
               <a:rPr lang="en-US" smtClean="0"/>
-              <a:t>7/11/2017</a:t>
+              <a:t>3/5/2018</a:t>
             </a:fld>
             <a:endParaRPr lang="en-US"/>
           </a:p>
@@ -3702,13 +3702,26 @@
           <a:p>
             <a:pPr algn="ctr"/>
             <a:r>
-              <a:rPr lang="en-US" sz="1600" dirty="0">
+              <a:rPr lang="en-US" sz="1600" dirty="0" smtClean="0">
                 <a:solidFill>
                   <a:schemeClr val="bg1"/>
                 </a:solidFill>
               </a:rPr>
-              <a:t>:Address</a:t>
-            </a:r>
+              <a:t>:</a:t>
+            </a:r>
+            <a:r>
+              <a:rPr lang="en-US" sz="1600" dirty="0" smtClean="0">
+                <a:solidFill>
+                  <a:schemeClr val="bg1"/>
+                </a:solidFill>
+              </a:rPr>
+              <a:t>Task</a:t>
+            </a:r>
+            <a:endParaRPr lang="en-US" sz="1600" dirty="0">
+              <a:solidFill>
+                <a:schemeClr val="bg1"/>
+              </a:solidFill>
+            </a:endParaRPr>
           </a:p>
           <a:p>
             <a:pPr algn="ctr"/>
@@ -4666,21 +4679,26 @@
           </a:lstStyle>
           <a:p>
             <a:r>
-              <a:rPr lang="en-US" dirty="0" err="1">
+              <a:rPr lang="en-US" dirty="0" err="1" smtClean="0">
                 <a:solidFill>
                   <a:srgbClr val="7030A0"/>
                 </a:solidFill>
               </a:rPr>
-              <a:t>deletePerson</a:t>
-            </a:r>
-            <a:r>
-              <a:rPr lang="en-US" dirty="0">
+              <a:t>deleteTask</a:t>
+            </a:r>
+            <a:r>
+              <a:rPr lang="en-US" dirty="0" smtClean="0">
                 <a:solidFill>
                   <a:srgbClr val="7030A0"/>
                 </a:solidFill>
               </a:rPr>
-              <a:t>(p)</a:t>
-            </a:r>
+              <a:t>(t)</a:t>
+            </a:r>
+            <a:endParaRPr lang="en-US" dirty="0">
+              <a:solidFill>
+                <a:srgbClr val="7030A0"/>
+              </a:solidFill>
+            </a:endParaRPr>
           </a:p>
         </p:txBody>
       </p:sp>

--- a/docs/diagrams/LogicComponentSequenceDiagram.pptx
+++ b/docs/diagrams/LogicComponentSequenceDiagram.pptx
@@ -126,10 +126,6 @@
 </p:presentation>
 </file>
 
-<file path=ppt/revisionInfo.xml><?xml version="1.0" encoding="utf-8"?>
-<p1510:revInfo xmlns:a="http://schemas.openxmlformats.org/drawingml/2006/main" xmlns:r="http://schemas.openxmlformats.org/officeDocument/2006/relationships" xmlns:p1510="http://schemas.microsoft.com/office/powerpoint/2015/10/main"/>
-</file>
-
 <file path=ppt/notesMasters/notesMaster1.xml><?xml version="1.0" encoding="utf-8"?>
 <p:notesMaster xmlns:a="http://schemas.openxmlformats.org/drawingml/2006/main" xmlns:r="http://schemas.openxmlformats.org/officeDocument/2006/relationships" xmlns:p="http://schemas.openxmlformats.org/presentationml/2006/main">
   <p:cSld>
@@ -212,7 +208,7 @@
           <a:p>
             <a:fld id="{F5CC4B3F-88C1-4FFA-B1B6-F41C21DC6924}" type="datetimeFigureOut">
               <a:rPr lang="en-US" smtClean="0"/>
-              <a:t>7/11/2017</a:t>
+              <a:t>3/13/2018</a:t>
             </a:fld>
             <a:endParaRPr lang="en-US"/>
           </a:p>
@@ -658,7 +654,7 @@
           <a:p>
             <a:fld id="{78C97017-6FC3-485B-9764-EAC9E56C1D49}" type="datetimeFigureOut">
               <a:rPr lang="en-US" smtClean="0"/>
-              <a:t>7/11/2017</a:t>
+              <a:t>3/13/2018</a:t>
             </a:fld>
             <a:endParaRPr lang="en-US"/>
           </a:p>
@@ -826,7 +822,7 @@
           <a:p>
             <a:fld id="{78C97017-6FC3-485B-9764-EAC9E56C1D49}" type="datetimeFigureOut">
               <a:rPr lang="en-US" smtClean="0"/>
-              <a:t>7/11/2017</a:t>
+              <a:t>3/13/2018</a:t>
             </a:fld>
             <a:endParaRPr lang="en-US"/>
           </a:p>
@@ -1004,7 +1000,7 @@
           <a:p>
             <a:fld id="{78C97017-6FC3-485B-9764-EAC9E56C1D49}" type="datetimeFigureOut">
               <a:rPr lang="en-US" smtClean="0"/>
-              <a:t>7/11/2017</a:t>
+              <a:t>3/13/2018</a:t>
             </a:fld>
             <a:endParaRPr lang="en-US"/>
           </a:p>
@@ -1172,7 +1168,7 @@
           <a:p>
             <a:fld id="{78C97017-6FC3-485B-9764-EAC9E56C1D49}" type="datetimeFigureOut">
               <a:rPr lang="en-US" smtClean="0"/>
-              <a:t>7/11/2017</a:t>
+              <a:t>3/13/2018</a:t>
             </a:fld>
             <a:endParaRPr lang="en-US"/>
           </a:p>
@@ -1417,7 +1413,7 @@
           <a:p>
             <a:fld id="{78C97017-6FC3-485B-9764-EAC9E56C1D49}" type="datetimeFigureOut">
               <a:rPr lang="en-US" smtClean="0"/>
-              <a:t>7/11/2017</a:t>
+              <a:t>3/13/2018</a:t>
             </a:fld>
             <a:endParaRPr lang="en-US"/>
           </a:p>
@@ -1702,7 +1698,7 @@
           <a:p>
             <a:fld id="{78C97017-6FC3-485B-9764-EAC9E56C1D49}" type="datetimeFigureOut">
               <a:rPr lang="en-US" smtClean="0"/>
-              <a:t>7/11/2017</a:t>
+              <a:t>3/13/2018</a:t>
             </a:fld>
             <a:endParaRPr lang="en-US"/>
           </a:p>
@@ -2121,7 +2117,7 @@
           <a:p>
             <a:fld id="{78C97017-6FC3-485B-9764-EAC9E56C1D49}" type="datetimeFigureOut">
               <a:rPr lang="en-US" smtClean="0"/>
-              <a:t>7/11/2017</a:t>
+              <a:t>3/13/2018</a:t>
             </a:fld>
             <a:endParaRPr lang="en-US"/>
           </a:p>
@@ -2238,7 +2234,7 @@
           <a:p>
             <a:fld id="{78C97017-6FC3-485B-9764-EAC9E56C1D49}" type="datetimeFigureOut">
               <a:rPr lang="en-US" smtClean="0"/>
-              <a:t>7/11/2017</a:t>
+              <a:t>3/13/2018</a:t>
             </a:fld>
             <a:endParaRPr lang="en-US"/>
           </a:p>
@@ -2333,7 +2329,7 @@
           <a:p>
             <a:fld id="{78C97017-6FC3-485B-9764-EAC9E56C1D49}" type="datetimeFigureOut">
               <a:rPr lang="en-US" smtClean="0"/>
-              <a:t>7/11/2017</a:t>
+              <a:t>3/13/2018</a:t>
             </a:fld>
             <a:endParaRPr lang="en-US"/>
           </a:p>
@@ -2608,7 +2604,7 @@
           <a:p>
             <a:fld id="{78C97017-6FC3-485B-9764-EAC9E56C1D49}" type="datetimeFigureOut">
               <a:rPr lang="en-US" smtClean="0"/>
-              <a:t>7/11/2017</a:t>
+              <a:t>3/13/2018</a:t>
             </a:fld>
             <a:endParaRPr lang="en-US"/>
           </a:p>
@@ -2860,7 +2856,7 @@
           <a:p>
             <a:fld id="{78C97017-6FC3-485B-9764-EAC9E56C1D49}" type="datetimeFigureOut">
               <a:rPr lang="en-US" smtClean="0"/>
-              <a:t>7/11/2017</a:t>
+              <a:t>3/13/2018</a:t>
             </a:fld>
             <a:endParaRPr lang="en-US"/>
           </a:p>
@@ -3071,7 +3067,7 @@
           <a:p>
             <a:fld id="{78C97017-6FC3-485B-9764-EAC9E56C1D49}" type="datetimeFigureOut">
               <a:rPr lang="en-US" smtClean="0"/>
-              <a:t>7/11/2017</a:t>
+              <a:t>3/13/2018</a:t>
             </a:fld>
             <a:endParaRPr lang="en-US"/>
           </a:p>
@@ -3667,7 +3663,7 @@
         <p:spPr>
           <a:xfrm>
             <a:off x="2743200" y="2179309"/>
-            <a:ext cx="1219200" cy="467684"/>
+            <a:ext cx="1104349" cy="467684"/>
           </a:xfrm>
           <a:prstGeom prst="rect">
             <a:avLst/>
@@ -3707,18 +3703,15 @@
                   <a:schemeClr val="bg1"/>
                 </a:solidFill>
               </a:rPr>
-              <a:t>:Address</a:t>
-            </a:r>
-          </a:p>
-          <a:p>
-            <a:pPr algn="ctr"/>
+              <a:t>:</a:t>
+            </a:r>
             <a:r>
               <a:rPr lang="en-US" sz="1600" dirty="0" err="1">
                 <a:solidFill>
                   <a:schemeClr val="bg1"/>
                 </a:solidFill>
               </a:rPr>
-              <a:t>BookParser</a:t>
+              <a:t>BookShelfParser</a:t>
             </a:r>
             <a:endParaRPr lang="en-SG" sz="1600" dirty="0">
               <a:solidFill>
@@ -4671,7 +4664,7 @@
                   <a:srgbClr val="7030A0"/>
                 </a:solidFill>
               </a:rPr>
-              <a:t>deletePerson</a:t>
+              <a:t>deleteBook</a:t>
             </a:r>
             <a:r>
               <a:rPr lang="en-US" dirty="0">
@@ -4679,7 +4672,7 @@
                   <a:srgbClr val="7030A0"/>
                 </a:solidFill>
               </a:rPr>
-              <a:t>(p)</a:t>
+              <a:t>(b)</a:t>
             </a:r>
           </a:p>
         </p:txBody>

--- a/docs/diagrams/LogicComponentSequenceDiagram.pptx
+++ b/docs/diagrams/LogicComponentSequenceDiagram.pptx
@@ -126,10 +126,6 @@
 </p:presentation>
 </file>
 
-<file path=ppt/revisionInfo.xml><?xml version="1.0" encoding="utf-8"?>
-<p1510:revInfo xmlns:a="http://schemas.openxmlformats.org/drawingml/2006/main" xmlns:r="http://schemas.openxmlformats.org/officeDocument/2006/relationships" xmlns:p1510="http://schemas.microsoft.com/office/powerpoint/2015/10/main"/>
-</file>
-
 <file path=ppt/notesMasters/notesMaster1.xml><?xml version="1.0" encoding="utf-8"?>
 <p:notesMaster xmlns:a="http://schemas.openxmlformats.org/drawingml/2006/main" xmlns:r="http://schemas.openxmlformats.org/officeDocument/2006/relationships" xmlns:p="http://schemas.openxmlformats.org/presentationml/2006/main">
   <p:cSld>
@@ -212,7 +208,7 @@
           <a:p>
             <a:fld id="{F5CC4B3F-88C1-4FFA-B1B6-F41C21DC6924}" type="datetimeFigureOut">
               <a:rPr lang="en-US" smtClean="0"/>
-              <a:t>7/11/2017</a:t>
+              <a:t>3/22/2018</a:t>
             </a:fld>
             <a:endParaRPr lang="en-US"/>
           </a:p>
@@ -658,7 +654,7 @@
           <a:p>
             <a:fld id="{78C97017-6FC3-485B-9764-EAC9E56C1D49}" type="datetimeFigureOut">
               <a:rPr lang="en-US" smtClean="0"/>
-              <a:t>7/11/2017</a:t>
+              <a:t>3/22/2018</a:t>
             </a:fld>
             <a:endParaRPr lang="en-US"/>
           </a:p>
@@ -826,7 +822,7 @@
           <a:p>
             <a:fld id="{78C97017-6FC3-485B-9764-EAC9E56C1D49}" type="datetimeFigureOut">
               <a:rPr lang="en-US" smtClean="0"/>
-              <a:t>7/11/2017</a:t>
+              <a:t>3/22/2018</a:t>
             </a:fld>
             <a:endParaRPr lang="en-US"/>
           </a:p>
@@ -1004,7 +1000,7 @@
           <a:p>
             <a:fld id="{78C97017-6FC3-485B-9764-EAC9E56C1D49}" type="datetimeFigureOut">
               <a:rPr lang="en-US" smtClean="0"/>
-              <a:t>7/11/2017</a:t>
+              <a:t>3/22/2018</a:t>
             </a:fld>
             <a:endParaRPr lang="en-US"/>
           </a:p>
@@ -1172,7 +1168,7 @@
           <a:p>
             <a:fld id="{78C97017-6FC3-485B-9764-EAC9E56C1D49}" type="datetimeFigureOut">
               <a:rPr lang="en-US" smtClean="0"/>
-              <a:t>7/11/2017</a:t>
+              <a:t>3/22/2018</a:t>
             </a:fld>
             <a:endParaRPr lang="en-US"/>
           </a:p>
@@ -1417,7 +1413,7 @@
           <a:p>
             <a:fld id="{78C97017-6FC3-485B-9764-EAC9E56C1D49}" type="datetimeFigureOut">
               <a:rPr lang="en-US" smtClean="0"/>
-              <a:t>7/11/2017</a:t>
+              <a:t>3/22/2018</a:t>
             </a:fld>
             <a:endParaRPr lang="en-US"/>
           </a:p>
@@ -1702,7 +1698,7 @@
           <a:p>
             <a:fld id="{78C97017-6FC3-485B-9764-EAC9E56C1D49}" type="datetimeFigureOut">
               <a:rPr lang="en-US" smtClean="0"/>
-              <a:t>7/11/2017</a:t>
+              <a:t>3/22/2018</a:t>
             </a:fld>
             <a:endParaRPr lang="en-US"/>
           </a:p>
@@ -2121,7 +2117,7 @@
           <a:p>
             <a:fld id="{78C97017-6FC3-485B-9764-EAC9E56C1D49}" type="datetimeFigureOut">
               <a:rPr lang="en-US" smtClean="0"/>
-              <a:t>7/11/2017</a:t>
+              <a:t>3/22/2018</a:t>
             </a:fld>
             <a:endParaRPr lang="en-US"/>
           </a:p>
@@ -2238,7 +2234,7 @@
           <a:p>
             <a:fld id="{78C97017-6FC3-485B-9764-EAC9E56C1D49}" type="datetimeFigureOut">
               <a:rPr lang="en-US" smtClean="0"/>
-              <a:t>7/11/2017</a:t>
+              <a:t>3/22/2018</a:t>
             </a:fld>
             <a:endParaRPr lang="en-US"/>
           </a:p>
@@ -2333,7 +2329,7 @@
           <a:p>
             <a:fld id="{78C97017-6FC3-485B-9764-EAC9E56C1D49}" type="datetimeFigureOut">
               <a:rPr lang="en-US" smtClean="0"/>
-              <a:t>7/11/2017</a:t>
+              <a:t>3/22/2018</a:t>
             </a:fld>
             <a:endParaRPr lang="en-US"/>
           </a:p>
@@ -2608,7 +2604,7 @@
           <a:p>
             <a:fld id="{78C97017-6FC3-485B-9764-EAC9E56C1D49}" type="datetimeFigureOut">
               <a:rPr lang="en-US" smtClean="0"/>
-              <a:t>7/11/2017</a:t>
+              <a:t>3/22/2018</a:t>
             </a:fld>
             <a:endParaRPr lang="en-US"/>
           </a:p>
@@ -2860,7 +2856,7 @@
           <a:p>
             <a:fld id="{78C97017-6FC3-485B-9764-EAC9E56C1D49}" type="datetimeFigureOut">
               <a:rPr lang="en-US" smtClean="0"/>
-              <a:t>7/11/2017</a:t>
+              <a:t>3/22/2018</a:t>
             </a:fld>
             <a:endParaRPr lang="en-US"/>
           </a:p>
@@ -3071,7 +3067,7 @@
           <a:p>
             <a:fld id="{78C97017-6FC3-485B-9764-EAC9E56C1D49}" type="datetimeFigureOut">
               <a:rPr lang="en-US" smtClean="0"/>
-              <a:t>7/11/2017</a:t>
+              <a:t>3/22/2018</a:t>
             </a:fld>
             <a:endParaRPr lang="en-US"/>
           </a:p>
@@ -3707,7 +3703,7 @@
                   <a:schemeClr val="bg1"/>
                 </a:solidFill>
               </a:rPr>
-              <a:t>:Address</a:t>
+              <a:t>:Recipe</a:t>
             </a:r>
           </a:p>
           <a:p>
@@ -4671,7 +4667,7 @@
                   <a:srgbClr val="7030A0"/>
                 </a:solidFill>
               </a:rPr>
-              <a:t>deletePerson</a:t>
+              <a:t>deleteRecipe</a:t>
             </a:r>
             <a:r>
               <a:rPr lang="en-US" dirty="0">
@@ -4679,7 +4675,7 @@
                   <a:srgbClr val="7030A0"/>
                 </a:solidFill>
               </a:rPr>
-              <a:t>(p)</a:t>
+              <a:t>(r)</a:t>
             </a:r>
           </a:p>
         </p:txBody>
@@ -4896,7 +4892,7 @@
               <a:t>result:Command</a:t>
             </a:r>
             <a:r>
-              <a:rPr lang="en-US" sz="1600" dirty="0">
+              <a:rPr lang="en-US" sz="1600">
                 <a:solidFill>
                   <a:schemeClr val="bg1"/>
                 </a:solidFill>

--- a/docs/diagrams/LogicComponentSequenceDiagram.pptx
+++ b/docs/diagrams/LogicComponentSequenceDiagram.pptx
@@ -126,10 +126,6 @@
 </p:presentation>
 </file>
 
-<file path=ppt/revisionInfo.xml><?xml version="1.0" encoding="utf-8"?>
-<p1510:revInfo xmlns:a="http://schemas.openxmlformats.org/drawingml/2006/main" xmlns:r="http://schemas.openxmlformats.org/officeDocument/2006/relationships" xmlns:p1510="http://schemas.microsoft.com/office/powerpoint/2015/10/main"/>
-</file>
-
 <file path=ppt/notesMasters/notesMaster1.xml><?xml version="1.0" encoding="utf-8"?>
 <p:notesMaster xmlns:a="http://schemas.openxmlformats.org/drawingml/2006/main" xmlns:r="http://schemas.openxmlformats.org/officeDocument/2006/relationships" xmlns:p="http://schemas.openxmlformats.org/presentationml/2006/main">
   <p:cSld>
@@ -212,7 +208,7 @@
           <a:p>
             <a:fld id="{F5CC4B3F-88C1-4FFA-B1B6-F41C21DC6924}" type="datetimeFigureOut">
               <a:rPr lang="en-US" smtClean="0"/>
-              <a:t>7/11/2017</a:t>
+              <a:t>3/25/2018</a:t>
             </a:fld>
             <a:endParaRPr lang="en-US"/>
           </a:p>
@@ -479,6 +475,90 @@
 </p:notesMaster>
 </file>
 
+<file path=ppt/notesSlides/notesSlide1.xml><?xml version="1.0" encoding="utf-8"?>
+<p:notes xmlns:a="http://schemas.openxmlformats.org/drawingml/2006/main" xmlns:r="http://schemas.openxmlformats.org/officeDocument/2006/relationships" xmlns:p="http://schemas.openxmlformats.org/presentationml/2006/main">
+  <p:cSld>
+    <p:spTree>
+      <p:nvGrpSpPr>
+        <p:cNvPr id="1" name=""/>
+        <p:cNvGrpSpPr/>
+        <p:nvPr/>
+      </p:nvGrpSpPr>
+      <p:grpSpPr>
+        <a:xfrm>
+          <a:off x="0" y="0"/>
+          <a:ext cx="0" cy="0"/>
+          <a:chOff x="0" y="0"/>
+          <a:chExt cx="0" cy="0"/>
+        </a:xfrm>
+      </p:grpSpPr>
+      <p:sp>
+        <p:nvSpPr>
+          <p:cNvPr id="2" name="Slide Image Placeholder 1"/>
+          <p:cNvSpPr>
+            <a:spLocks noGrp="1" noRot="1" noChangeAspect="1"/>
+          </p:cNvSpPr>
+          <p:nvPr>
+            <p:ph type="sldImg"/>
+          </p:nvPr>
+        </p:nvSpPr>
+        <p:spPr/>
+      </p:sp>
+      <p:sp>
+        <p:nvSpPr>
+          <p:cNvPr id="3" name="Notes Placeholder 2"/>
+          <p:cNvSpPr>
+            <a:spLocks noGrp="1"/>
+          </p:cNvSpPr>
+          <p:nvPr>
+            <p:ph type="body" idx="1"/>
+          </p:nvPr>
+        </p:nvSpPr>
+        <p:spPr/>
+        <p:txBody>
+          <a:bodyPr/>
+          <a:lstStyle/>
+          <a:p>
+            <a:endParaRPr lang="en-SG" dirty="0"/>
+          </a:p>
+        </p:txBody>
+      </p:sp>
+      <p:sp>
+        <p:nvSpPr>
+          <p:cNvPr id="4" name="Slide Number Placeholder 3"/>
+          <p:cNvSpPr>
+            <a:spLocks noGrp="1"/>
+          </p:cNvSpPr>
+          <p:nvPr>
+            <p:ph type="sldNum" sz="quarter" idx="10"/>
+          </p:nvPr>
+        </p:nvSpPr>
+        <p:spPr/>
+        <p:txBody>
+          <a:bodyPr/>
+          <a:lstStyle/>
+          <a:p>
+            <a:fld id="{5A7AB025-77E3-4BD1-A2FD-B3183DBA47A3}" type="slidenum">
+              <a:rPr lang="en-US" smtClean="0"/>
+              <a:t>1</a:t>
+            </a:fld>
+            <a:endParaRPr lang="en-US"/>
+          </a:p>
+        </p:txBody>
+      </p:sp>
+    </p:spTree>
+    <p:extLst>
+      <p:ext uri="{BB962C8B-B14F-4D97-AF65-F5344CB8AC3E}">
+        <p14:creationId xmlns:p14="http://schemas.microsoft.com/office/powerpoint/2010/main" val="2609577579"/>
+      </p:ext>
+    </p:extLst>
+  </p:cSld>
+  <p:clrMapOvr>
+    <a:masterClrMapping/>
+  </p:clrMapOvr>
+</p:notes>
+</file>
+
 <file path=ppt/slideLayouts/slideLayout1.xml><?xml version="1.0" encoding="utf-8"?>
 <p:sldLayout xmlns:a="http://schemas.openxmlformats.org/drawingml/2006/main" xmlns:r="http://schemas.openxmlformats.org/officeDocument/2006/relationships" xmlns:p="http://schemas.openxmlformats.org/presentationml/2006/main" type="title" preserve="1">
   <p:cSld name="Title Slide">
@@ -658,7 +738,7 @@
           <a:p>
             <a:fld id="{78C97017-6FC3-485B-9764-EAC9E56C1D49}" type="datetimeFigureOut">
               <a:rPr lang="en-US" smtClean="0"/>
-              <a:t>7/11/2017</a:t>
+              <a:t>3/25/2018</a:t>
             </a:fld>
             <a:endParaRPr lang="en-US"/>
           </a:p>
@@ -826,7 +906,7 @@
           <a:p>
             <a:fld id="{78C97017-6FC3-485B-9764-EAC9E56C1D49}" type="datetimeFigureOut">
               <a:rPr lang="en-US" smtClean="0"/>
-              <a:t>7/11/2017</a:t>
+              <a:t>3/25/2018</a:t>
             </a:fld>
             <a:endParaRPr lang="en-US"/>
           </a:p>
@@ -1004,7 +1084,7 @@
           <a:p>
             <a:fld id="{78C97017-6FC3-485B-9764-EAC9E56C1D49}" type="datetimeFigureOut">
               <a:rPr lang="en-US" smtClean="0"/>
-              <a:t>7/11/2017</a:t>
+              <a:t>3/25/2018</a:t>
             </a:fld>
             <a:endParaRPr lang="en-US"/>
           </a:p>
@@ -1172,7 +1252,7 @@
           <a:p>
             <a:fld id="{78C97017-6FC3-485B-9764-EAC9E56C1D49}" type="datetimeFigureOut">
               <a:rPr lang="en-US" smtClean="0"/>
-              <a:t>7/11/2017</a:t>
+              <a:t>3/25/2018</a:t>
             </a:fld>
             <a:endParaRPr lang="en-US"/>
           </a:p>
@@ -1417,7 +1497,7 @@
           <a:p>
             <a:fld id="{78C97017-6FC3-485B-9764-EAC9E56C1D49}" type="datetimeFigureOut">
               <a:rPr lang="en-US" smtClean="0"/>
-              <a:t>7/11/2017</a:t>
+              <a:t>3/25/2018</a:t>
             </a:fld>
             <a:endParaRPr lang="en-US"/>
           </a:p>
@@ -1702,7 +1782,7 @@
           <a:p>
             <a:fld id="{78C97017-6FC3-485B-9764-EAC9E56C1D49}" type="datetimeFigureOut">
               <a:rPr lang="en-US" smtClean="0"/>
-              <a:t>7/11/2017</a:t>
+              <a:t>3/25/2018</a:t>
             </a:fld>
             <a:endParaRPr lang="en-US"/>
           </a:p>
@@ -2121,7 +2201,7 @@
           <a:p>
             <a:fld id="{78C97017-6FC3-485B-9764-EAC9E56C1D49}" type="datetimeFigureOut">
               <a:rPr lang="en-US" smtClean="0"/>
-              <a:t>7/11/2017</a:t>
+              <a:t>3/25/2018</a:t>
             </a:fld>
             <a:endParaRPr lang="en-US"/>
           </a:p>
@@ -2238,7 +2318,7 @@
           <a:p>
             <a:fld id="{78C97017-6FC3-485B-9764-EAC9E56C1D49}" type="datetimeFigureOut">
               <a:rPr lang="en-US" smtClean="0"/>
-              <a:t>7/11/2017</a:t>
+              <a:t>3/25/2018</a:t>
             </a:fld>
             <a:endParaRPr lang="en-US"/>
           </a:p>
@@ -2333,7 +2413,7 @@
           <a:p>
             <a:fld id="{78C97017-6FC3-485B-9764-EAC9E56C1D49}" type="datetimeFigureOut">
               <a:rPr lang="en-US" smtClean="0"/>
-              <a:t>7/11/2017</a:t>
+              <a:t>3/25/2018</a:t>
             </a:fld>
             <a:endParaRPr lang="en-US"/>
           </a:p>
@@ -2608,7 +2688,7 @@
           <a:p>
             <a:fld id="{78C97017-6FC3-485B-9764-EAC9E56C1D49}" type="datetimeFigureOut">
               <a:rPr lang="en-US" smtClean="0"/>
-              <a:t>7/11/2017</a:t>
+              <a:t>3/25/2018</a:t>
             </a:fld>
             <a:endParaRPr lang="en-US"/>
           </a:p>
@@ -2860,7 +2940,7 @@
           <a:p>
             <a:fld id="{78C97017-6FC3-485B-9764-EAC9E56C1D49}" type="datetimeFigureOut">
               <a:rPr lang="en-US" smtClean="0"/>
-              <a:t>7/11/2017</a:t>
+              <a:t>3/25/2018</a:t>
             </a:fld>
             <a:endParaRPr lang="en-US"/>
           </a:p>
@@ -3071,7 +3151,7 @@
           <a:p>
             <a:fld id="{78C97017-6FC3-485B-9764-EAC9E56C1D49}" type="datetimeFigureOut">
               <a:rPr lang="en-US" smtClean="0"/>
-              <a:t>7/11/2017</a:t>
+              <a:t>3/25/2018</a:t>
             </a:fld>
             <a:endParaRPr lang="en-US"/>
           </a:p>
@@ -3707,18 +3787,31 @@
                   <a:schemeClr val="bg1"/>
                 </a:solidFill>
               </a:rPr>
-              <a:t>:Address</a:t>
-            </a:r>
-          </a:p>
-          <a:p>
-            <a:pPr algn="ctr"/>
+              <a:t>:</a:t>
+            </a:r>
             <a:r>
               <a:rPr lang="en-US" sz="1600" dirty="0" err="1">
                 <a:solidFill>
                   <a:schemeClr val="bg1"/>
                 </a:solidFill>
               </a:rPr>
-              <a:t>BookParser</a:t>
+              <a:t>DeskBoard</a:t>
+            </a:r>
+            <a:endParaRPr lang="en-US" sz="1600" dirty="0">
+              <a:solidFill>
+                <a:schemeClr val="bg1"/>
+              </a:solidFill>
+            </a:endParaRPr>
+          </a:p>
+          <a:p>
+            <a:pPr algn="ctr"/>
+            <a:r>
+              <a:rPr lang="en-US" sz="1600" dirty="0">
+                <a:solidFill>
+                  <a:schemeClr val="bg1"/>
+                </a:solidFill>
+              </a:rPr>
+              <a:t>Parser</a:t>
             </a:r>
             <a:endParaRPr lang="en-SG" sz="1600" dirty="0">
               <a:solidFill>
@@ -4056,8 +4149,8 @@
         </p:nvSpPr>
         <p:spPr>
           <a:xfrm>
-            <a:off x="0" y="2743200"/>
-            <a:ext cx="1424846" cy="215444"/>
+            <a:off x="-183725" y="2719386"/>
+            <a:ext cx="1591425" cy="215444"/>
           </a:xfrm>
           <a:prstGeom prst="rect">
             <a:avLst/>
@@ -4077,7 +4170,23 @@
                   <a:srgbClr val="0070C0"/>
                 </a:solidFill>
               </a:rPr>
-              <a:t>execute(“delete 1”)</a:t>
+              <a:t>execute(“</a:t>
+            </a:r>
+            <a:r>
+              <a:rPr lang="en-US" sz="1400" dirty="0" err="1">
+                <a:solidFill>
+                  <a:srgbClr val="0070C0"/>
+                </a:solidFill>
+              </a:rPr>
+              <a:t>rm</a:t>
+            </a:r>
+            <a:r>
+              <a:rPr lang="en-US" sz="1400" dirty="0">
+                <a:solidFill>
+                  <a:srgbClr val="0070C0"/>
+                </a:solidFill>
+              </a:rPr>
+              <a:t> task 1”)</a:t>
             </a:r>
           </a:p>
         </p:txBody>
@@ -4671,7 +4780,7 @@
                   <a:srgbClr val="7030A0"/>
                 </a:solidFill>
               </a:rPr>
-              <a:t>deletePerson</a:t>
+              <a:t>removeTask</a:t>
             </a:r>
             <a:r>
               <a:rPr lang="en-US" dirty="0">
@@ -4679,7 +4788,7 @@
                   <a:srgbClr val="7030A0"/>
                 </a:solidFill>
               </a:rPr>
-              <a:t>(p)</a:t>
+              <a:t>(task)</a:t>
             </a:r>
           </a:p>
         </p:txBody>
@@ -4732,8 +4841,8 @@
         </p:nvSpPr>
         <p:spPr>
           <a:xfrm>
-            <a:off x="1742982" y="2850922"/>
-            <a:ext cx="1424846" cy="215444"/>
+            <a:off x="1538610" y="2838634"/>
+            <a:ext cx="1586783" cy="215444"/>
           </a:xfrm>
           <a:prstGeom prst="rect">
             <a:avLst/>
@@ -4759,7 +4868,15 @@
           <a:p>
             <a:r>
               <a:rPr lang="en-US" dirty="0"/>
-              <a:t>parse(“delete 1”)</a:t>
+              <a:t>parse(“</a:t>
+            </a:r>
+            <a:r>
+              <a:rPr lang="en-US" dirty="0" err="1"/>
+              <a:t>rm</a:t>
+            </a:r>
+            <a:r>
+              <a:rPr lang="en-US" dirty="0"/>
+              <a:t> task 1”)</a:t>
             </a:r>
           </a:p>
         </p:txBody>
@@ -5093,7 +5210,7 @@
                   <a:schemeClr val="bg1"/>
                 </a:solidFill>
               </a:rPr>
-              <a:t>DeleteCommand</a:t>
+              <a:t>RemoveCommand</a:t>
             </a:r>
             <a:endParaRPr lang="en-US" sz="1600" dirty="0">
               <a:solidFill>

--- a/docs/diagrams/LogicComponentSequenceDiagram.pptx
+++ b/docs/diagrams/LogicComponentSequenceDiagram.pptx
@@ -109,7 +109,7 @@
   </p:defaultTextStyle>
   <p:extLst>
     <p:ext uri="{EFAFB233-063F-42B5-8137-9DF3F51BA10A}">
-      <p15:sldGuideLst xmlns:p15="http://schemas.microsoft.com/office/powerpoint/2012/main">
+      <p15:sldGuideLst xmlns:p15="http://schemas.microsoft.com/office/powerpoint/2012/main" xmlns="">
         <p15:guide id="1" orient="horz" pos="1488">
           <p15:clr>
             <a:srgbClr val="A4A3A4"/>
@@ -212,7 +212,7 @@
           <a:p>
             <a:fld id="{F5CC4B3F-88C1-4FFA-B1B6-F41C21DC6924}" type="datetimeFigureOut">
               <a:rPr lang="en-US" smtClean="0"/>
-              <a:t>7/11/2017</a:t>
+              <a:t>4/14/2018</a:t>
             </a:fld>
             <a:endParaRPr lang="en-US"/>
           </a:p>
@@ -658,7 +658,7 @@
           <a:p>
             <a:fld id="{78C97017-6FC3-485B-9764-EAC9E56C1D49}" type="datetimeFigureOut">
               <a:rPr lang="en-US" smtClean="0"/>
-              <a:t>7/11/2017</a:t>
+              <a:t>4/14/2018</a:t>
             </a:fld>
             <a:endParaRPr lang="en-US"/>
           </a:p>
@@ -826,7 +826,7 @@
           <a:p>
             <a:fld id="{78C97017-6FC3-485B-9764-EAC9E56C1D49}" type="datetimeFigureOut">
               <a:rPr lang="en-US" smtClean="0"/>
-              <a:t>7/11/2017</a:t>
+              <a:t>4/14/2018</a:t>
             </a:fld>
             <a:endParaRPr lang="en-US"/>
           </a:p>
@@ -1004,7 +1004,7 @@
           <a:p>
             <a:fld id="{78C97017-6FC3-485B-9764-EAC9E56C1D49}" type="datetimeFigureOut">
               <a:rPr lang="en-US" smtClean="0"/>
-              <a:t>7/11/2017</a:t>
+              <a:t>4/14/2018</a:t>
             </a:fld>
             <a:endParaRPr lang="en-US"/>
           </a:p>
@@ -1172,7 +1172,7 @@
           <a:p>
             <a:fld id="{78C97017-6FC3-485B-9764-EAC9E56C1D49}" type="datetimeFigureOut">
               <a:rPr lang="en-US" smtClean="0"/>
-              <a:t>7/11/2017</a:t>
+              <a:t>4/14/2018</a:t>
             </a:fld>
             <a:endParaRPr lang="en-US"/>
           </a:p>
@@ -1417,7 +1417,7 @@
           <a:p>
             <a:fld id="{78C97017-6FC3-485B-9764-EAC9E56C1D49}" type="datetimeFigureOut">
               <a:rPr lang="en-US" smtClean="0"/>
-              <a:t>7/11/2017</a:t>
+              <a:t>4/14/2018</a:t>
             </a:fld>
             <a:endParaRPr lang="en-US"/>
           </a:p>
@@ -1702,7 +1702,7 @@
           <a:p>
             <a:fld id="{78C97017-6FC3-485B-9764-EAC9E56C1D49}" type="datetimeFigureOut">
               <a:rPr lang="en-US" smtClean="0"/>
-              <a:t>7/11/2017</a:t>
+              <a:t>4/14/2018</a:t>
             </a:fld>
             <a:endParaRPr lang="en-US"/>
           </a:p>
@@ -2121,7 +2121,7 @@
           <a:p>
             <a:fld id="{78C97017-6FC3-485B-9764-EAC9E56C1D49}" type="datetimeFigureOut">
               <a:rPr lang="en-US" smtClean="0"/>
-              <a:t>7/11/2017</a:t>
+              <a:t>4/14/2018</a:t>
             </a:fld>
             <a:endParaRPr lang="en-US"/>
           </a:p>
@@ -2238,7 +2238,7 @@
           <a:p>
             <a:fld id="{78C97017-6FC3-485B-9764-EAC9E56C1D49}" type="datetimeFigureOut">
               <a:rPr lang="en-US" smtClean="0"/>
-              <a:t>7/11/2017</a:t>
+              <a:t>4/14/2018</a:t>
             </a:fld>
             <a:endParaRPr lang="en-US"/>
           </a:p>
@@ -2333,7 +2333,7 @@
           <a:p>
             <a:fld id="{78C97017-6FC3-485B-9764-EAC9E56C1D49}" type="datetimeFigureOut">
               <a:rPr lang="en-US" smtClean="0"/>
-              <a:t>7/11/2017</a:t>
+              <a:t>4/14/2018</a:t>
             </a:fld>
             <a:endParaRPr lang="en-US"/>
           </a:p>
@@ -2608,7 +2608,7 @@
           <a:p>
             <a:fld id="{78C97017-6FC3-485B-9764-EAC9E56C1D49}" type="datetimeFigureOut">
               <a:rPr lang="en-US" smtClean="0"/>
-              <a:t>7/11/2017</a:t>
+              <a:t>4/14/2018</a:t>
             </a:fld>
             <a:endParaRPr lang="en-US"/>
           </a:p>
@@ -2860,7 +2860,7 @@
           <a:p>
             <a:fld id="{78C97017-6FC3-485B-9764-EAC9E56C1D49}" type="datetimeFigureOut">
               <a:rPr lang="en-US" smtClean="0"/>
-              <a:t>7/11/2017</a:t>
+              <a:t>4/14/2018</a:t>
             </a:fld>
             <a:endParaRPr lang="en-US"/>
           </a:p>
@@ -3071,7 +3071,7 @@
           <a:p>
             <a:fld id="{78C97017-6FC3-485B-9764-EAC9E56C1D49}" type="datetimeFigureOut">
               <a:rPr lang="en-US" smtClean="0"/>
-              <a:t>7/11/2017</a:t>
+              <a:t>4/14/2018</a:t>
             </a:fld>
             <a:endParaRPr lang="en-US"/>
           </a:p>
@@ -3702,23 +3702,20 @@
           <a:p>
             <a:pPr algn="ctr"/>
             <a:r>
-              <a:rPr lang="en-US" sz="1600" dirty="0">
+              <a:rPr lang="en-US" sz="1600" dirty="0" smtClean="0">
                 <a:solidFill>
                   <a:schemeClr val="bg1"/>
                 </a:solidFill>
               </a:rPr>
-              <a:t>:Address</a:t>
-            </a:r>
-          </a:p>
-          <a:p>
-            <a:pPr algn="ctr"/>
-            <a:r>
-              <a:rPr lang="en-US" sz="1600" dirty="0" err="1">
+              <a:t>:</a:t>
+            </a:r>
+            <a:r>
+              <a:rPr lang="en-US" sz="1600" dirty="0" err="1" smtClean="0">
                 <a:solidFill>
                   <a:schemeClr val="bg1"/>
                 </a:solidFill>
               </a:rPr>
-              <a:t>BookParser</a:t>
+              <a:t>ImdbParser</a:t>
             </a:r>
             <a:endParaRPr lang="en-SG" sz="1600" dirty="0">
               <a:solidFill>

--- a/docs/diagrams/LogicComponentSequenceDiagram.pptx
+++ b/docs/diagrams/LogicComponentSequenceDiagram.pptx
@@ -126,10 +126,6 @@
 </p:presentation>
 </file>
 
-<file path=ppt/revisionInfo.xml><?xml version="1.0" encoding="utf-8"?>
-<p1510:revInfo xmlns:a="http://schemas.openxmlformats.org/drawingml/2006/main" xmlns:r="http://schemas.openxmlformats.org/officeDocument/2006/relationships" xmlns:p1510="http://schemas.microsoft.com/office/powerpoint/2015/10/main"/>
-</file>
-
 <file path=ppt/notesMasters/notesMaster1.xml><?xml version="1.0" encoding="utf-8"?>
 <p:notesMaster xmlns:a="http://schemas.openxmlformats.org/drawingml/2006/main" xmlns:r="http://schemas.openxmlformats.org/officeDocument/2006/relationships" xmlns:p="http://schemas.openxmlformats.org/presentationml/2006/main">
   <p:cSld>
@@ -212,7 +208,7 @@
           <a:p>
             <a:fld id="{F5CC4B3F-88C1-4FFA-B1B6-F41C21DC6924}" type="datetimeFigureOut">
               <a:rPr lang="en-US" smtClean="0"/>
-              <a:t>7/11/2017</a:t>
+              <a:t>4/15/2018</a:t>
             </a:fld>
             <a:endParaRPr lang="en-US"/>
           </a:p>
@@ -658,7 +654,7 @@
           <a:p>
             <a:fld id="{78C97017-6FC3-485B-9764-EAC9E56C1D49}" type="datetimeFigureOut">
               <a:rPr lang="en-US" smtClean="0"/>
-              <a:t>7/11/2017</a:t>
+              <a:t>4/15/2018</a:t>
             </a:fld>
             <a:endParaRPr lang="en-US"/>
           </a:p>
@@ -826,7 +822,7 @@
           <a:p>
             <a:fld id="{78C97017-6FC3-485B-9764-EAC9E56C1D49}" type="datetimeFigureOut">
               <a:rPr lang="en-US" smtClean="0"/>
-              <a:t>7/11/2017</a:t>
+              <a:t>4/15/2018</a:t>
             </a:fld>
             <a:endParaRPr lang="en-US"/>
           </a:p>
@@ -1004,7 +1000,7 @@
           <a:p>
             <a:fld id="{78C97017-6FC3-485B-9764-EAC9E56C1D49}" type="datetimeFigureOut">
               <a:rPr lang="en-US" smtClean="0"/>
-              <a:t>7/11/2017</a:t>
+              <a:t>4/15/2018</a:t>
             </a:fld>
             <a:endParaRPr lang="en-US"/>
           </a:p>
@@ -1172,7 +1168,7 @@
           <a:p>
             <a:fld id="{78C97017-6FC3-485B-9764-EAC9E56C1D49}" type="datetimeFigureOut">
               <a:rPr lang="en-US" smtClean="0"/>
-              <a:t>7/11/2017</a:t>
+              <a:t>4/15/2018</a:t>
             </a:fld>
             <a:endParaRPr lang="en-US"/>
           </a:p>
@@ -1417,7 +1413,7 @@
           <a:p>
             <a:fld id="{78C97017-6FC3-485B-9764-EAC9E56C1D49}" type="datetimeFigureOut">
               <a:rPr lang="en-US" smtClean="0"/>
-              <a:t>7/11/2017</a:t>
+              <a:t>4/15/2018</a:t>
             </a:fld>
             <a:endParaRPr lang="en-US"/>
           </a:p>
@@ -1702,7 +1698,7 @@
           <a:p>
             <a:fld id="{78C97017-6FC3-485B-9764-EAC9E56C1D49}" type="datetimeFigureOut">
               <a:rPr lang="en-US" smtClean="0"/>
-              <a:t>7/11/2017</a:t>
+              <a:t>4/15/2018</a:t>
             </a:fld>
             <a:endParaRPr lang="en-US"/>
           </a:p>
@@ -2121,7 +2117,7 @@
           <a:p>
             <a:fld id="{78C97017-6FC3-485B-9764-EAC9E56C1D49}" type="datetimeFigureOut">
               <a:rPr lang="en-US" smtClean="0"/>
-              <a:t>7/11/2017</a:t>
+              <a:t>4/15/2018</a:t>
             </a:fld>
             <a:endParaRPr lang="en-US"/>
           </a:p>
@@ -2238,7 +2234,7 @@
           <a:p>
             <a:fld id="{78C97017-6FC3-485B-9764-EAC9E56C1D49}" type="datetimeFigureOut">
               <a:rPr lang="en-US" smtClean="0"/>
-              <a:t>7/11/2017</a:t>
+              <a:t>4/15/2018</a:t>
             </a:fld>
             <a:endParaRPr lang="en-US"/>
           </a:p>
@@ -2333,7 +2329,7 @@
           <a:p>
             <a:fld id="{78C97017-6FC3-485B-9764-EAC9E56C1D49}" type="datetimeFigureOut">
               <a:rPr lang="en-US" smtClean="0"/>
-              <a:t>7/11/2017</a:t>
+              <a:t>4/15/2018</a:t>
             </a:fld>
             <a:endParaRPr lang="en-US"/>
           </a:p>
@@ -2608,7 +2604,7 @@
           <a:p>
             <a:fld id="{78C97017-6FC3-485B-9764-EAC9E56C1D49}" type="datetimeFigureOut">
               <a:rPr lang="en-US" smtClean="0"/>
-              <a:t>7/11/2017</a:t>
+              <a:t>4/15/2018</a:t>
             </a:fld>
             <a:endParaRPr lang="en-US"/>
           </a:p>
@@ -2860,7 +2856,7 @@
           <a:p>
             <a:fld id="{78C97017-6FC3-485B-9764-EAC9E56C1D49}" type="datetimeFigureOut">
               <a:rPr lang="en-US" smtClean="0"/>
-              <a:t>7/11/2017</a:t>
+              <a:t>4/15/2018</a:t>
             </a:fld>
             <a:endParaRPr lang="en-US"/>
           </a:p>
@@ -3071,7 +3067,7 @@
           <a:p>
             <a:fld id="{78C97017-6FC3-485B-9764-EAC9E56C1D49}" type="datetimeFigureOut">
               <a:rPr lang="en-US" smtClean="0"/>
-              <a:t>7/11/2017</a:t>
+              <a:t>4/15/2018</a:t>
             </a:fld>
             <a:endParaRPr lang="en-US"/>
           </a:p>
@@ -3666,8 +3662,8 @@
         </p:nvSpPr>
         <p:spPr>
           <a:xfrm>
-            <a:off x="2743200" y="2179309"/>
-            <a:ext cx="1219200" cy="467684"/>
+            <a:off x="2804425" y="2198053"/>
+            <a:ext cx="1104347" cy="467684"/>
           </a:xfrm>
           <a:prstGeom prst="rect">
             <a:avLst/>
@@ -3707,18 +3703,15 @@
                   <a:schemeClr val="bg1"/>
                 </a:solidFill>
               </a:rPr>
-              <a:t>:Address</a:t>
-            </a:r>
-          </a:p>
-          <a:p>
-            <a:pPr algn="ctr"/>
+              <a:t>:</a:t>
+            </a:r>
             <a:r>
               <a:rPr lang="en-US" sz="1600" dirty="0" err="1">
                 <a:solidFill>
                   <a:schemeClr val="bg1"/>
                 </a:solidFill>
               </a:rPr>
-              <a:t>BookParser</a:t>
+              <a:t>CatalogueParser</a:t>
             </a:r>
             <a:endParaRPr lang="en-SG" sz="1600" dirty="0">
               <a:solidFill>
@@ -4671,7 +4664,7 @@
                   <a:srgbClr val="7030A0"/>
                 </a:solidFill>
               </a:rPr>
-              <a:t>deletePerson</a:t>
+              <a:t>deleteBook</a:t>
             </a:r>
             <a:r>
               <a:rPr lang="en-US" dirty="0">

--- a/docs/diagrams/LogicComponentSequenceDiagram.pptx
+++ b/docs/diagrams/LogicComponentSequenceDiagram.pptx
@@ -212,7 +212,7 @@
           <a:p>
             <a:fld id="{F5CC4B3F-88C1-4FFA-B1B6-F41C21DC6924}" type="datetimeFigureOut">
               <a:rPr lang="en-US" smtClean="0"/>
-              <a:t>7/11/2017</a:t>
+              <a:t>4/15/2018</a:t>
             </a:fld>
             <a:endParaRPr lang="en-US"/>
           </a:p>
@@ -658,7 +658,7 @@
           <a:p>
             <a:fld id="{78C97017-6FC3-485B-9764-EAC9E56C1D49}" type="datetimeFigureOut">
               <a:rPr lang="en-US" smtClean="0"/>
-              <a:t>7/11/2017</a:t>
+              <a:t>4/15/2018</a:t>
             </a:fld>
             <a:endParaRPr lang="en-US"/>
           </a:p>
@@ -826,7 +826,7 @@
           <a:p>
             <a:fld id="{78C97017-6FC3-485B-9764-EAC9E56C1D49}" type="datetimeFigureOut">
               <a:rPr lang="en-US" smtClean="0"/>
-              <a:t>7/11/2017</a:t>
+              <a:t>4/15/2018</a:t>
             </a:fld>
             <a:endParaRPr lang="en-US"/>
           </a:p>
@@ -1004,7 +1004,7 @@
           <a:p>
             <a:fld id="{78C97017-6FC3-485B-9764-EAC9E56C1D49}" type="datetimeFigureOut">
               <a:rPr lang="en-US" smtClean="0"/>
-              <a:t>7/11/2017</a:t>
+              <a:t>4/15/2018</a:t>
             </a:fld>
             <a:endParaRPr lang="en-US"/>
           </a:p>
@@ -1172,7 +1172,7 @@
           <a:p>
             <a:fld id="{78C97017-6FC3-485B-9764-EAC9E56C1D49}" type="datetimeFigureOut">
               <a:rPr lang="en-US" smtClean="0"/>
-              <a:t>7/11/2017</a:t>
+              <a:t>4/15/2018</a:t>
             </a:fld>
             <a:endParaRPr lang="en-US"/>
           </a:p>
@@ -1417,7 +1417,7 @@
           <a:p>
             <a:fld id="{78C97017-6FC3-485B-9764-EAC9E56C1D49}" type="datetimeFigureOut">
               <a:rPr lang="en-US" smtClean="0"/>
-              <a:t>7/11/2017</a:t>
+              <a:t>4/15/2018</a:t>
             </a:fld>
             <a:endParaRPr lang="en-US"/>
           </a:p>
@@ -1702,7 +1702,7 @@
           <a:p>
             <a:fld id="{78C97017-6FC3-485B-9764-EAC9E56C1D49}" type="datetimeFigureOut">
               <a:rPr lang="en-US" smtClean="0"/>
-              <a:t>7/11/2017</a:t>
+              <a:t>4/15/2018</a:t>
             </a:fld>
             <a:endParaRPr lang="en-US"/>
           </a:p>
@@ -2121,7 +2121,7 @@
           <a:p>
             <a:fld id="{78C97017-6FC3-485B-9764-EAC9E56C1D49}" type="datetimeFigureOut">
               <a:rPr lang="en-US" smtClean="0"/>
-              <a:t>7/11/2017</a:t>
+              <a:t>4/15/2018</a:t>
             </a:fld>
             <a:endParaRPr lang="en-US"/>
           </a:p>
@@ -2238,7 +2238,7 @@
           <a:p>
             <a:fld id="{78C97017-6FC3-485B-9764-EAC9E56C1D49}" type="datetimeFigureOut">
               <a:rPr lang="en-US" smtClean="0"/>
-              <a:t>7/11/2017</a:t>
+              <a:t>4/15/2018</a:t>
             </a:fld>
             <a:endParaRPr lang="en-US"/>
           </a:p>
@@ -2333,7 +2333,7 @@
           <a:p>
             <a:fld id="{78C97017-6FC3-485B-9764-EAC9E56C1D49}" type="datetimeFigureOut">
               <a:rPr lang="en-US" smtClean="0"/>
-              <a:t>7/11/2017</a:t>
+              <a:t>4/15/2018</a:t>
             </a:fld>
             <a:endParaRPr lang="en-US"/>
           </a:p>
@@ -2608,7 +2608,7 @@
           <a:p>
             <a:fld id="{78C97017-6FC3-485B-9764-EAC9E56C1D49}" type="datetimeFigureOut">
               <a:rPr lang="en-US" smtClean="0"/>
-              <a:t>7/11/2017</a:t>
+              <a:t>4/15/2018</a:t>
             </a:fld>
             <a:endParaRPr lang="en-US"/>
           </a:p>
@@ -2860,7 +2860,7 @@
           <a:p>
             <a:fld id="{78C97017-6FC3-485B-9764-EAC9E56C1D49}" type="datetimeFigureOut">
               <a:rPr lang="en-US" smtClean="0"/>
-              <a:t>7/11/2017</a:t>
+              <a:t>4/15/2018</a:t>
             </a:fld>
             <a:endParaRPr lang="en-US"/>
           </a:p>
@@ -3071,7 +3071,7 @@
           <a:p>
             <a:fld id="{78C97017-6FC3-485B-9764-EAC9E56C1D49}" type="datetimeFigureOut">
               <a:rPr lang="en-US" smtClean="0"/>
-              <a:t>7/11/2017</a:t>
+              <a:t>4/15/2018</a:t>
             </a:fld>
             <a:endParaRPr lang="en-US"/>
           </a:p>
@@ -3825,7 +3825,7 @@
         <p:spPr>
           <a:xfrm>
             <a:off x="6221565" y="3312740"/>
-            <a:ext cx="1093635" cy="461538"/>
+            <a:ext cx="1246035" cy="461538"/>
           </a:xfrm>
           <a:prstGeom prst="rect">
             <a:avLst/>
@@ -3860,29 +3860,22 @@
           <a:p>
             <a:pPr algn="ctr"/>
             <a:r>
-              <a:rPr lang="en-US" sz="1600" dirty="0">
+              <a:rPr lang="en-US" sz="1200" dirty="0">
                 <a:solidFill>
                   <a:schemeClr val="bg1"/>
                 </a:solidFill>
               </a:rPr>
-              <a:t>d:Delete</a:t>
-            </a:r>
-            <a:br>
-              <a:rPr lang="en-US" sz="1600" dirty="0">
+              <a:t>r</a:t>
+            </a:r>
+            <a:r>
+              <a:rPr lang="en-US" sz="1200" dirty="0" smtClean="0">
                 <a:solidFill>
                   <a:schemeClr val="bg1"/>
                 </a:solidFill>
               </a:rPr>
-            </a:br>
-            <a:r>
-              <a:rPr lang="en-US" sz="1600" dirty="0">
-                <a:solidFill>
-                  <a:schemeClr val="bg1"/>
-                </a:solidFill>
-              </a:rPr>
-              <a:t>Command</a:t>
-            </a:r>
-            <a:endParaRPr lang="en-SG" sz="1600" dirty="0">
+              <a:t>:Return month view Command</a:t>
+            </a:r>
+            <a:endParaRPr lang="en-SG" sz="1200" dirty="0">
               <a:solidFill>
                 <a:schemeClr val="bg1"/>
               </a:solidFill>
@@ -4077,47 +4070,24 @@
                   <a:srgbClr val="0070C0"/>
                 </a:solidFill>
               </a:rPr>
-              <a:t>execute(“delete 1”)</a:t>
-            </a:r>
-          </a:p>
-        </p:txBody>
-      </p:sp>
-      <p:cxnSp>
-        <p:nvCxnSpPr>
-          <p:cNvPr id="28" name="Straight Arrow Connector 27"/>
-          <p:cNvCxnSpPr/>
-          <p:nvPr/>
-        </p:nvCxnSpPr>
-        <p:spPr>
-          <a:xfrm flipV="1">
-            <a:off x="5257218" y="3703214"/>
-            <a:ext cx="922392" cy="1"/>
-          </a:xfrm>
-          <a:prstGeom prst="straightConnector1">
-            <a:avLst/>
-          </a:prstGeom>
-          <a:ln w="19050">
-            <a:solidFill>
-              <a:srgbClr val="0070C0"/>
-            </a:solidFill>
-            <a:tailEnd type="arrow"/>
-          </a:ln>
-        </p:spPr>
-        <p:style>
-          <a:lnRef idx="1">
-            <a:schemeClr val="accent1"/>
-          </a:lnRef>
-          <a:fillRef idx="0">
-            <a:schemeClr val="accent1"/>
-          </a:fillRef>
-          <a:effectRef idx="0">
-            <a:schemeClr val="accent1"/>
-          </a:effectRef>
-          <a:fontRef idx="minor">
-            <a:schemeClr val="tx1"/>
-          </a:fontRef>
-        </p:style>
-      </p:cxnSp>
+              <a:t>execute</a:t>
+            </a:r>
+            <a:r>
+              <a:rPr lang="en-US" sz="1400" dirty="0" smtClean="0">
+                <a:solidFill>
+                  <a:srgbClr val="0070C0"/>
+                </a:solidFill>
+              </a:rPr>
+              <a:t>(“back”)</a:t>
+            </a:r>
+            <a:endParaRPr lang="en-US" sz="1400" dirty="0">
+              <a:solidFill>
+                <a:srgbClr val="0070C0"/>
+              </a:solidFill>
+            </a:endParaRPr>
+          </a:p>
+        </p:txBody>
+      </p:sp>
       <p:sp>
         <p:nvSpPr>
           <p:cNvPr id="29" name="TextBox 28"/>
@@ -4158,44 +4128,6 @@
           </a:p>
         </p:txBody>
       </p:sp>
-      <p:cxnSp>
-        <p:nvCxnSpPr>
-          <p:cNvPr id="34" name="Straight Arrow Connector 33"/>
-          <p:cNvCxnSpPr/>
-          <p:nvPr/>
-        </p:nvCxnSpPr>
-        <p:spPr>
-          <a:xfrm>
-            <a:off x="5257800" y="4050281"/>
-            <a:ext cx="1492974" cy="0"/>
-          </a:xfrm>
-          <a:prstGeom prst="straightConnector1">
-            <a:avLst/>
-          </a:prstGeom>
-          <a:ln w="19050">
-            <a:solidFill>
-              <a:srgbClr val="0070C0"/>
-            </a:solidFill>
-            <a:prstDash val="sysDash"/>
-            <a:headEnd type="arrow" w="med" len="med"/>
-            <a:tailEnd type="none" w="med" len="med"/>
-          </a:ln>
-        </p:spPr>
-        <p:style>
-          <a:lnRef idx="1">
-            <a:schemeClr val="accent1"/>
-          </a:lnRef>
-          <a:fillRef idx="0">
-            <a:schemeClr val="accent1"/>
-          </a:fillRef>
-          <a:effectRef idx="0">
-            <a:schemeClr val="accent1"/>
-          </a:effectRef>
-          <a:fontRef idx="minor">
-            <a:schemeClr val="tx1"/>
-          </a:fontRef>
-        </p:style>
-      </p:cxnSp>
       <p:cxnSp>
         <p:nvCxnSpPr>
           <p:cNvPr id="35" name="Straight Arrow Connector 34"/>
@@ -4272,71 +4204,6 @@
           </a:fontRef>
         </p:style>
       </p:cxnSp>
-      <p:sp>
-        <p:nvSpPr>
-          <p:cNvPr id="39" name="Rectangle 62"/>
-          <p:cNvSpPr/>
-          <p:nvPr/>
-        </p:nvSpPr>
-        <p:spPr>
-          <a:xfrm>
-            <a:off x="8265896" y="2362200"/>
-            <a:ext cx="1030504" cy="346760"/>
-          </a:xfrm>
-          <a:prstGeom prst="rect">
-            <a:avLst/>
-          </a:prstGeom>
-          <a:solidFill>
-            <a:schemeClr val="accent4">
-              <a:lumMod val="60000"/>
-              <a:lumOff val="40000"/>
-            </a:schemeClr>
-          </a:solidFill>
-          <a:ln w="19050">
-            <a:solidFill>
-              <a:schemeClr val="accent4">
-                <a:lumMod val="60000"/>
-                <a:lumOff val="40000"/>
-              </a:schemeClr>
-            </a:solidFill>
-          </a:ln>
-          <a:effectLst/>
-        </p:spPr>
-        <p:style>
-          <a:lnRef idx="1">
-            <a:schemeClr val="accent2"/>
-          </a:lnRef>
-          <a:fillRef idx="2">
-            <a:schemeClr val="accent2"/>
-          </a:fillRef>
-          <a:effectRef idx="1">
-            <a:schemeClr val="accent2"/>
-          </a:effectRef>
-          <a:fontRef idx="minor">
-            <a:schemeClr val="dk1"/>
-          </a:fontRef>
-        </p:style>
-        <p:txBody>
-          <a:bodyPr rtlCol="0" anchor="ctr"/>
-          <a:lstStyle/>
-          <a:p>
-            <a:pPr algn="ctr"/>
-            <a:r>
-              <a:rPr lang="en-US" sz="1600" dirty="0">
-                <a:solidFill>
-                  <a:schemeClr val="bg1"/>
-                </a:solidFill>
-              </a:rPr>
-              <a:t>:Model</a:t>
-            </a:r>
-            <a:endParaRPr lang="en-SG" sz="1600" dirty="0">
-              <a:solidFill>
-                <a:schemeClr val="bg1"/>
-              </a:solidFill>
-            </a:endParaRPr>
-          </a:p>
-        </p:txBody>
-      </p:sp>
       <p:cxnSp>
         <p:nvCxnSpPr>
           <p:cNvPr id="64" name="Straight Arrow Connector 63"/>
@@ -4422,111 +4289,14 @@
       </p:sp>
       <p:cxnSp>
         <p:nvCxnSpPr>
-          <p:cNvPr id="71" name="Straight Connector 70"/>
+          <p:cNvPr id="77" name="Straight Arrow Connector 76"/>
           <p:cNvCxnSpPr/>
           <p:nvPr/>
         </p:nvCxnSpPr>
         <p:spPr>
           <a:xfrm>
-            <a:off x="8781148" y="2700858"/>
-            <a:ext cx="0" cy="2830598"/>
-          </a:xfrm>
-          <a:prstGeom prst="line">
-            <a:avLst/>
-          </a:prstGeom>
-          <a:ln w="19050">
-            <a:solidFill>
-              <a:schemeClr val="accent4">
-                <a:lumMod val="60000"/>
-                <a:lumOff val="40000"/>
-              </a:schemeClr>
-            </a:solidFill>
-            <a:prstDash val="sysDash"/>
-          </a:ln>
-          <a:effectLst/>
-        </p:spPr>
-        <p:style>
-          <a:lnRef idx="1">
-            <a:schemeClr val="accent1"/>
-          </a:lnRef>
-          <a:fillRef idx="2">
-            <a:schemeClr val="accent1"/>
-          </a:fillRef>
-          <a:effectRef idx="1">
-            <a:schemeClr val="accent1"/>
-          </a:effectRef>
-          <a:fontRef idx="minor">
-            <a:schemeClr val="dk1"/>
-          </a:fontRef>
-        </p:style>
-      </p:cxnSp>
-      <p:sp>
-        <p:nvSpPr>
-          <p:cNvPr id="73" name="Rectangle 72"/>
-          <p:cNvSpPr/>
-          <p:nvPr/>
-        </p:nvSpPr>
-        <p:spPr>
-          <a:xfrm>
-            <a:off x="8686800" y="4524597"/>
-            <a:ext cx="152400" cy="199803"/>
-          </a:xfrm>
-          <a:prstGeom prst="rect">
-            <a:avLst/>
-          </a:prstGeom>
-          <a:solidFill>
-            <a:schemeClr val="accent4">
-              <a:lumMod val="60000"/>
-              <a:lumOff val="40000"/>
-            </a:schemeClr>
-          </a:solidFill>
-          <a:ln>
-            <a:solidFill>
-              <a:schemeClr val="accent4">
-                <a:lumMod val="60000"/>
-                <a:lumOff val="40000"/>
-              </a:schemeClr>
-            </a:solidFill>
-          </a:ln>
-          <a:effectLst/>
-        </p:spPr>
-        <p:style>
-          <a:lnRef idx="1">
-            <a:schemeClr val="accent3"/>
-          </a:lnRef>
-          <a:fillRef idx="2">
-            <a:schemeClr val="accent3"/>
-          </a:fillRef>
-          <a:effectRef idx="1">
-            <a:schemeClr val="accent3"/>
-          </a:effectRef>
-          <a:fontRef idx="minor">
-            <a:schemeClr val="dk1"/>
-          </a:fontRef>
-        </p:style>
-        <p:txBody>
-          <a:bodyPr rtlCol="0" anchor="ctr"/>
-          <a:lstStyle/>
-          <a:p>
-            <a:pPr algn="ctr"/>
-            <a:endParaRPr lang="en-SG" sz="1400">
-              <a:solidFill>
-                <a:schemeClr val="dk1"/>
-              </a:solidFill>
-            </a:endParaRPr>
-          </a:p>
-        </p:txBody>
-      </p:sp>
-      <p:cxnSp>
-        <p:nvCxnSpPr>
-          <p:cNvPr id="75" name="Straight Arrow Connector 74"/>
-          <p:cNvCxnSpPr/>
-          <p:nvPr/>
-        </p:nvCxnSpPr>
-        <p:spPr>
-          <a:xfrm>
-            <a:off x="6850663" y="4524597"/>
-            <a:ext cx="1836137" cy="0"/>
+            <a:off x="1653251" y="5486400"/>
+            <a:ext cx="5052349" cy="0"/>
           </a:xfrm>
           <a:prstGeom prst="straightConnector1">
             <a:avLst/>
@@ -4535,7 +4305,9 @@
             <a:solidFill>
               <a:srgbClr val="0070C0"/>
             </a:solidFill>
-            <a:tailEnd type="arrow"/>
+            <a:prstDash val="sysDash"/>
+            <a:headEnd type="arrow" w="med" len="med"/>
+            <a:tailEnd type="none" w="med" len="med"/>
           </a:ln>
         </p:spPr>
         <p:style>
@@ -4553,26 +4325,262 @@
           </a:fontRef>
         </p:style>
       </p:cxnSp>
+      <p:sp>
+        <p:nvSpPr>
+          <p:cNvPr id="80" name="TextBox 79"/>
+          <p:cNvSpPr txBox="1"/>
+          <p:nvPr/>
+        </p:nvSpPr>
+        <p:spPr>
+          <a:xfrm>
+            <a:off x="1742982" y="2850922"/>
+            <a:ext cx="1424846" cy="215444"/>
+          </a:xfrm>
+          <a:prstGeom prst="rect">
+            <a:avLst/>
+          </a:prstGeom>
+          <a:noFill/>
+        </p:spPr>
+        <p:txBody>
+          <a:bodyPr wrap="square" lIns="0" tIns="0" rIns="0" bIns="0" rtlCol="0">
+            <a:spAutoFit/>
+          </a:bodyPr>
+          <a:lstStyle>
+            <a:defPPr>
+              <a:defRPr lang="en-US"/>
+            </a:defPPr>
+            <a:lvl1pPr algn="r">
+              <a:defRPr sz="1400">
+                <a:solidFill>
+                  <a:srgbClr val="0070C0"/>
+                </a:solidFill>
+              </a:defRPr>
+            </a:lvl1pPr>
+          </a:lstStyle>
+          <a:p>
+            <a:r>
+              <a:rPr lang="en-US" dirty="0"/>
+              <a:t>parse</a:t>
+            </a:r>
+            <a:r>
+              <a:rPr lang="en-US" dirty="0" smtClean="0"/>
+              <a:t>(“back”)</a:t>
+            </a:r>
+            <a:endParaRPr lang="en-US" dirty="0"/>
+          </a:p>
+        </p:txBody>
+      </p:sp>
+      <p:sp>
+        <p:nvSpPr>
+          <p:cNvPr id="82" name="TextBox 81"/>
+          <p:cNvSpPr txBox="1"/>
+          <p:nvPr/>
+        </p:nvSpPr>
+        <p:spPr>
+          <a:xfrm>
+            <a:off x="4340137" y="5255323"/>
+            <a:ext cx="621216" cy="215444"/>
+          </a:xfrm>
+          <a:prstGeom prst="rect">
+            <a:avLst/>
+          </a:prstGeom>
+          <a:noFill/>
+        </p:spPr>
+        <p:txBody>
+          <a:bodyPr wrap="square" lIns="0" tIns="0" rIns="0" bIns="0" rtlCol="0">
+            <a:spAutoFit/>
+          </a:bodyPr>
+          <a:lstStyle>
+            <a:defPPr>
+              <a:defRPr lang="en-US"/>
+            </a:defPPr>
+            <a:lvl1pPr algn="r">
+              <a:defRPr sz="1400">
+                <a:solidFill>
+                  <a:srgbClr val="0070C0"/>
+                </a:solidFill>
+              </a:defRPr>
+            </a:lvl1pPr>
+          </a:lstStyle>
+          <a:p>
+            <a:r>
+              <a:rPr lang="en-US" dirty="0"/>
+              <a:t>result</a:t>
+            </a:r>
+          </a:p>
+        </p:txBody>
+      </p:sp>
+      <p:sp>
+        <p:nvSpPr>
+          <p:cNvPr id="83" name="TextBox 82"/>
+          <p:cNvSpPr txBox="1"/>
+          <p:nvPr/>
+        </p:nvSpPr>
+        <p:spPr>
+          <a:xfrm>
+            <a:off x="599983" y="5538488"/>
+            <a:ext cx="762000" cy="215444"/>
+          </a:xfrm>
+          <a:prstGeom prst="rect">
+            <a:avLst/>
+          </a:prstGeom>
+          <a:noFill/>
+        </p:spPr>
+        <p:txBody>
+          <a:bodyPr wrap="square" lIns="0" tIns="0" rIns="0" bIns="0" rtlCol="0">
+            <a:spAutoFit/>
+          </a:bodyPr>
+          <a:lstStyle>
+            <a:defPPr>
+              <a:defRPr lang="en-US"/>
+            </a:defPPr>
+            <a:lvl1pPr algn="r">
+              <a:defRPr sz="1400">
+                <a:solidFill>
+                  <a:srgbClr val="0070C0"/>
+                </a:solidFill>
+              </a:defRPr>
+            </a:lvl1pPr>
+          </a:lstStyle>
+          <a:p>
+            <a:r>
+              <a:rPr lang="en-US" dirty="0"/>
+              <a:t>result</a:t>
+            </a:r>
+          </a:p>
+        </p:txBody>
+      </p:sp>
+      <p:sp>
+        <p:nvSpPr>
+          <p:cNvPr id="84" name="Rectangle 62"/>
+          <p:cNvSpPr/>
+          <p:nvPr/>
+        </p:nvSpPr>
+        <p:spPr>
+          <a:xfrm>
+            <a:off x="7020246" y="4777286"/>
+            <a:ext cx="1590354" cy="461538"/>
+          </a:xfrm>
+          <a:prstGeom prst="rect">
+            <a:avLst/>
+          </a:prstGeom>
+          <a:solidFill>
+            <a:srgbClr val="0070C0"/>
+          </a:solidFill>
+          <a:ln w="19050">
+            <a:solidFill>
+              <a:srgbClr val="0070C0"/>
+            </a:solidFill>
+          </a:ln>
+          <a:effectLst/>
+        </p:spPr>
+        <p:style>
+          <a:lnRef idx="1">
+            <a:schemeClr val="accent2"/>
+          </a:lnRef>
+          <a:fillRef idx="2">
+            <a:schemeClr val="accent2"/>
+          </a:fillRef>
+          <a:effectRef idx="1">
+            <a:schemeClr val="accent2"/>
+          </a:effectRef>
+          <a:fontRef idx="minor">
+            <a:schemeClr val="dk1"/>
+          </a:fontRef>
+        </p:style>
+        <p:txBody>
+          <a:bodyPr rtlCol="0" anchor="ctr"/>
+          <a:lstStyle/>
+          <a:p>
+            <a:pPr algn="ctr"/>
+            <a:r>
+              <a:rPr lang="en-US" sz="1600" dirty="0" err="1">
+                <a:solidFill>
+                  <a:schemeClr val="bg1"/>
+                </a:solidFill>
+              </a:rPr>
+              <a:t>result:Command</a:t>
+            </a:r>
+            <a:r>
+              <a:rPr lang="en-US" sz="1600" dirty="0">
+                <a:solidFill>
+                  <a:schemeClr val="bg1"/>
+                </a:solidFill>
+              </a:rPr>
+              <a:t> Result</a:t>
+            </a:r>
+            <a:endParaRPr lang="en-SG" sz="1600" dirty="0">
+              <a:solidFill>
+                <a:schemeClr val="bg1"/>
+              </a:solidFill>
+            </a:endParaRPr>
+          </a:p>
+        </p:txBody>
+      </p:sp>
+      <p:sp>
+        <p:nvSpPr>
+          <p:cNvPr id="86" name="Rectangle 85"/>
+          <p:cNvSpPr/>
+          <p:nvPr/>
+        </p:nvSpPr>
+        <p:spPr>
+          <a:xfrm>
+            <a:off x="7777323" y="5238824"/>
+            <a:ext cx="152400" cy="171376"/>
+          </a:xfrm>
+          <a:prstGeom prst="rect">
+            <a:avLst/>
+          </a:prstGeom>
+          <a:solidFill>
+            <a:srgbClr val="0070C0"/>
+          </a:solidFill>
+          <a:ln>
+            <a:solidFill>
+              <a:srgbClr val="0070C0"/>
+            </a:solidFill>
+          </a:ln>
+          <a:effectLst/>
+        </p:spPr>
+        <p:style>
+          <a:lnRef idx="1">
+            <a:schemeClr val="accent3"/>
+          </a:lnRef>
+          <a:fillRef idx="2">
+            <a:schemeClr val="accent3"/>
+          </a:fillRef>
+          <a:effectRef idx="1">
+            <a:schemeClr val="accent3"/>
+          </a:effectRef>
+          <a:fontRef idx="minor">
+            <a:schemeClr val="dk1"/>
+          </a:fontRef>
+        </p:style>
+        <p:txBody>
+          <a:bodyPr rtlCol="0" anchor="ctr"/>
+          <a:lstStyle/>
+          <a:p>
+            <a:pPr algn="ctr"/>
+            <a:endParaRPr lang="en-SG" sz="1400"/>
+          </a:p>
+        </p:txBody>
+      </p:sp>
       <p:cxnSp>
         <p:nvCxnSpPr>
-          <p:cNvPr id="76" name="Straight Arrow Connector 75"/>
+          <p:cNvPr id="90" name="Straight Arrow Connector 89"/>
           <p:cNvCxnSpPr/>
           <p:nvPr/>
         </p:nvCxnSpPr>
         <p:spPr>
-          <a:xfrm flipV="1">
-            <a:off x="6848774" y="4714650"/>
-            <a:ext cx="1838026" cy="9750"/>
+          <a:xfrm>
+            <a:off x="6858000" y="5410200"/>
+            <a:ext cx="966624" cy="0"/>
           </a:xfrm>
           <a:prstGeom prst="straightConnector1">
             <a:avLst/>
           </a:prstGeom>
           <a:ln w="19050">
             <a:solidFill>
-              <a:schemeClr val="accent4">
-                <a:lumMod val="60000"/>
-                <a:lumOff val="40000"/>
-              </a:schemeClr>
+              <a:srgbClr val="0070C0"/>
             </a:solidFill>
             <a:prstDash val="sysDash"/>
             <a:headEnd type="arrow" w="med" len="med"/>
@@ -4594,54 +4602,16 @@
           </a:fontRef>
         </p:style>
       </p:cxnSp>
-      <p:cxnSp>
-        <p:nvCxnSpPr>
-          <p:cNvPr id="77" name="Straight Arrow Connector 76"/>
-          <p:cNvCxnSpPr/>
-          <p:nvPr/>
-        </p:nvCxnSpPr>
-        <p:spPr>
-          <a:xfrm>
-            <a:off x="1653251" y="5486400"/>
-            <a:ext cx="5052349" cy="0"/>
-          </a:xfrm>
-          <a:prstGeom prst="straightConnector1">
-            <a:avLst/>
-          </a:prstGeom>
-          <a:ln w="19050">
-            <a:solidFill>
-              <a:srgbClr val="0070C0"/>
-            </a:solidFill>
-            <a:prstDash val="sysDash"/>
-            <a:headEnd type="arrow" w="med" len="med"/>
-            <a:tailEnd type="none" w="med" len="med"/>
-          </a:ln>
-        </p:spPr>
-        <p:style>
-          <a:lnRef idx="1">
-            <a:schemeClr val="accent1"/>
-          </a:lnRef>
-          <a:fillRef idx="0">
-            <a:schemeClr val="accent1"/>
-          </a:fillRef>
-          <a:effectRef idx="0">
-            <a:schemeClr val="accent1"/>
-          </a:effectRef>
-          <a:fontRef idx="minor">
-            <a:schemeClr val="tx1"/>
-          </a:fontRef>
-        </p:style>
-      </p:cxnSp>
-      <p:sp>
-        <p:nvSpPr>
-          <p:cNvPr id="78" name="TextBox 77"/>
+      <p:sp>
+        <p:nvSpPr>
+          <p:cNvPr id="93" name="TextBox 92"/>
           <p:cNvSpPr txBox="1"/>
           <p:nvPr/>
         </p:nvSpPr>
         <p:spPr>
           <a:xfrm>
-            <a:off x="6984957" y="4267200"/>
-            <a:ext cx="1424846" cy="215444"/>
+            <a:off x="2673845" y="4027787"/>
+            <a:ext cx="220343" cy="215444"/>
           </a:xfrm>
           <a:prstGeom prst="rect">
             <a:avLst/>
@@ -4666,664 +4636,13 @@
           </a:lstStyle>
           <a:p>
             <a:r>
-              <a:rPr lang="en-US" dirty="0" err="1">
-                <a:solidFill>
-                  <a:srgbClr val="7030A0"/>
-                </a:solidFill>
-              </a:rPr>
-              <a:t>deletePerson</a:t>
-            </a:r>
-            <a:r>
-              <a:rPr lang="en-US" dirty="0">
-                <a:solidFill>
-                  <a:srgbClr val="7030A0"/>
-                </a:solidFill>
-              </a:rPr>
-              <a:t>(p)</a:t>
-            </a:r>
-          </a:p>
-        </p:txBody>
-      </p:sp>
-      <p:sp>
-        <p:nvSpPr>
-          <p:cNvPr id="79" name="TextBox 78"/>
-          <p:cNvSpPr txBox="1"/>
-          <p:nvPr/>
-        </p:nvSpPr>
-        <p:spPr>
-          <a:xfrm>
-            <a:off x="3847551" y="3657600"/>
-            <a:ext cx="767033" cy="184666"/>
-          </a:xfrm>
-          <a:prstGeom prst="rect">
-            <a:avLst/>
-          </a:prstGeom>
-          <a:noFill/>
-        </p:spPr>
-        <p:txBody>
-          <a:bodyPr wrap="square" lIns="0" tIns="0" rIns="0" bIns="0" rtlCol="0">
-            <a:spAutoFit/>
-          </a:bodyPr>
-          <a:lstStyle>
-            <a:defPPr>
-              <a:defRPr lang="en-US"/>
-            </a:defPPr>
-            <a:lvl1pPr algn="r">
-              <a:defRPr sz="1400">
-                <a:solidFill>
-                  <a:srgbClr val="0070C0"/>
-                </a:solidFill>
-              </a:defRPr>
-            </a:lvl1pPr>
-          </a:lstStyle>
-          <a:p>
-            <a:r>
-              <a:rPr lang="en-US" sz="1200" dirty="0"/>
-              <a:t>parse(“1”)</a:t>
-            </a:r>
-          </a:p>
-        </p:txBody>
-      </p:sp>
-      <p:sp>
-        <p:nvSpPr>
-          <p:cNvPr id="80" name="TextBox 79"/>
-          <p:cNvSpPr txBox="1"/>
-          <p:nvPr/>
-        </p:nvSpPr>
-        <p:spPr>
-          <a:xfrm>
-            <a:off x="1742982" y="2850922"/>
-            <a:ext cx="1424846" cy="215444"/>
-          </a:xfrm>
-          <a:prstGeom prst="rect">
-            <a:avLst/>
-          </a:prstGeom>
-          <a:noFill/>
-        </p:spPr>
-        <p:txBody>
-          <a:bodyPr wrap="square" lIns="0" tIns="0" rIns="0" bIns="0" rtlCol="0">
-            <a:spAutoFit/>
-          </a:bodyPr>
-          <a:lstStyle>
-            <a:defPPr>
-              <a:defRPr lang="en-US"/>
-            </a:defPPr>
-            <a:lvl1pPr algn="r">
-              <a:defRPr sz="1400">
-                <a:solidFill>
-                  <a:srgbClr val="0070C0"/>
-                </a:solidFill>
-              </a:defRPr>
-            </a:lvl1pPr>
-          </a:lstStyle>
-          <a:p>
-            <a:r>
-              <a:rPr lang="en-US" dirty="0"/>
-              <a:t>parse(“delete 1”)</a:t>
-            </a:r>
-          </a:p>
-        </p:txBody>
-      </p:sp>
-      <p:sp>
-        <p:nvSpPr>
-          <p:cNvPr id="82" name="TextBox 81"/>
-          <p:cNvSpPr txBox="1"/>
-          <p:nvPr/>
-        </p:nvSpPr>
-        <p:spPr>
-          <a:xfrm>
-            <a:off x="4340137" y="5255323"/>
-            <a:ext cx="621216" cy="215444"/>
-          </a:xfrm>
-          <a:prstGeom prst="rect">
-            <a:avLst/>
-          </a:prstGeom>
-          <a:noFill/>
-        </p:spPr>
-        <p:txBody>
-          <a:bodyPr wrap="square" lIns="0" tIns="0" rIns="0" bIns="0" rtlCol="0">
-            <a:spAutoFit/>
-          </a:bodyPr>
-          <a:lstStyle>
-            <a:defPPr>
-              <a:defRPr lang="en-US"/>
-            </a:defPPr>
-            <a:lvl1pPr algn="r">
-              <a:defRPr sz="1400">
-                <a:solidFill>
-                  <a:srgbClr val="0070C0"/>
-                </a:solidFill>
-              </a:defRPr>
-            </a:lvl1pPr>
-          </a:lstStyle>
-          <a:p>
-            <a:r>
-              <a:rPr lang="en-US" dirty="0"/>
-              <a:t>result</a:t>
-            </a:r>
-          </a:p>
-        </p:txBody>
-      </p:sp>
-      <p:sp>
-        <p:nvSpPr>
-          <p:cNvPr id="83" name="TextBox 82"/>
-          <p:cNvSpPr txBox="1"/>
-          <p:nvPr/>
-        </p:nvSpPr>
-        <p:spPr>
-          <a:xfrm>
-            <a:off x="599983" y="5538488"/>
-            <a:ext cx="762000" cy="215444"/>
-          </a:xfrm>
-          <a:prstGeom prst="rect">
-            <a:avLst/>
-          </a:prstGeom>
-          <a:noFill/>
-        </p:spPr>
-        <p:txBody>
-          <a:bodyPr wrap="square" lIns="0" tIns="0" rIns="0" bIns="0" rtlCol="0">
-            <a:spAutoFit/>
-          </a:bodyPr>
-          <a:lstStyle>
-            <a:defPPr>
-              <a:defRPr lang="en-US"/>
-            </a:defPPr>
-            <a:lvl1pPr algn="r">
-              <a:defRPr sz="1400">
-                <a:solidFill>
-                  <a:srgbClr val="0070C0"/>
-                </a:solidFill>
-              </a:defRPr>
-            </a:lvl1pPr>
-          </a:lstStyle>
-          <a:p>
-            <a:r>
-              <a:rPr lang="en-US" dirty="0"/>
-              <a:t>result</a:t>
-            </a:r>
-          </a:p>
-        </p:txBody>
-      </p:sp>
-      <p:sp>
-        <p:nvSpPr>
-          <p:cNvPr id="84" name="Rectangle 62"/>
-          <p:cNvSpPr/>
-          <p:nvPr/>
-        </p:nvSpPr>
-        <p:spPr>
-          <a:xfrm>
-            <a:off x="7020246" y="4777286"/>
-            <a:ext cx="1590354" cy="461538"/>
-          </a:xfrm>
-          <a:prstGeom prst="rect">
-            <a:avLst/>
-          </a:prstGeom>
-          <a:solidFill>
-            <a:srgbClr val="0070C0"/>
-          </a:solidFill>
-          <a:ln w="19050">
-            <a:solidFill>
-              <a:srgbClr val="0070C0"/>
-            </a:solidFill>
-          </a:ln>
-          <a:effectLst/>
-        </p:spPr>
-        <p:style>
-          <a:lnRef idx="1">
-            <a:schemeClr val="accent2"/>
-          </a:lnRef>
-          <a:fillRef idx="2">
-            <a:schemeClr val="accent2"/>
-          </a:fillRef>
-          <a:effectRef idx="1">
-            <a:schemeClr val="accent2"/>
-          </a:effectRef>
-          <a:fontRef idx="minor">
-            <a:schemeClr val="dk1"/>
-          </a:fontRef>
-        </p:style>
-        <p:txBody>
-          <a:bodyPr rtlCol="0" anchor="ctr"/>
-          <a:lstStyle/>
-          <a:p>
-            <a:pPr algn="ctr"/>
-            <a:r>
-              <a:rPr lang="en-US" sz="1600" dirty="0" err="1">
-                <a:solidFill>
-                  <a:schemeClr val="bg1"/>
-                </a:solidFill>
-              </a:rPr>
-              <a:t>result:Command</a:t>
-            </a:r>
-            <a:r>
-              <a:rPr lang="en-US" sz="1600" dirty="0">
-                <a:solidFill>
-                  <a:schemeClr val="bg1"/>
-                </a:solidFill>
-              </a:rPr>
-              <a:t> Result</a:t>
-            </a:r>
-            <a:endParaRPr lang="en-SG" sz="1600" dirty="0">
-              <a:solidFill>
-                <a:schemeClr val="bg1"/>
-              </a:solidFill>
-            </a:endParaRPr>
-          </a:p>
-        </p:txBody>
-      </p:sp>
-      <p:sp>
-        <p:nvSpPr>
-          <p:cNvPr id="86" name="Rectangle 85"/>
-          <p:cNvSpPr/>
-          <p:nvPr/>
-        </p:nvSpPr>
-        <p:spPr>
-          <a:xfrm>
-            <a:off x="7777323" y="5238824"/>
-            <a:ext cx="152400" cy="171376"/>
-          </a:xfrm>
-          <a:prstGeom prst="rect">
-            <a:avLst/>
-          </a:prstGeom>
-          <a:solidFill>
-            <a:srgbClr val="0070C0"/>
-          </a:solidFill>
-          <a:ln>
-            <a:solidFill>
-              <a:srgbClr val="0070C0"/>
-            </a:solidFill>
-          </a:ln>
-          <a:effectLst/>
-        </p:spPr>
-        <p:style>
-          <a:lnRef idx="1">
-            <a:schemeClr val="accent3"/>
-          </a:lnRef>
-          <a:fillRef idx="2">
-            <a:schemeClr val="accent3"/>
-          </a:fillRef>
-          <a:effectRef idx="1">
-            <a:schemeClr val="accent3"/>
-          </a:effectRef>
-          <a:fontRef idx="minor">
-            <a:schemeClr val="dk1"/>
-          </a:fontRef>
-        </p:style>
-        <p:txBody>
-          <a:bodyPr rtlCol="0" anchor="ctr"/>
-          <a:lstStyle/>
-          <a:p>
-            <a:pPr algn="ctr"/>
-            <a:endParaRPr lang="en-SG" sz="1400"/>
-          </a:p>
-        </p:txBody>
-      </p:sp>
-      <p:cxnSp>
-        <p:nvCxnSpPr>
-          <p:cNvPr id="90" name="Straight Arrow Connector 89"/>
-          <p:cNvCxnSpPr/>
-          <p:nvPr/>
-        </p:nvCxnSpPr>
-        <p:spPr>
-          <a:xfrm>
-            <a:off x="6858000" y="5410200"/>
-            <a:ext cx="966624" cy="0"/>
-          </a:xfrm>
-          <a:prstGeom prst="straightConnector1">
-            <a:avLst/>
-          </a:prstGeom>
-          <a:ln w="19050">
-            <a:solidFill>
-              <a:srgbClr val="0070C0"/>
-            </a:solidFill>
-            <a:prstDash val="sysDash"/>
-            <a:headEnd type="arrow" w="med" len="med"/>
-            <a:tailEnd type="none" w="med" len="med"/>
-          </a:ln>
-        </p:spPr>
-        <p:style>
-          <a:lnRef idx="1">
-            <a:schemeClr val="accent1"/>
-          </a:lnRef>
-          <a:fillRef idx="0">
-            <a:schemeClr val="accent1"/>
-          </a:fillRef>
-          <a:effectRef idx="0">
-            <a:schemeClr val="accent1"/>
-          </a:effectRef>
-          <a:fontRef idx="minor">
-            <a:schemeClr val="tx1"/>
-          </a:fontRef>
-        </p:style>
-      </p:cxnSp>
-      <p:sp>
-        <p:nvSpPr>
-          <p:cNvPr id="93" name="TextBox 92"/>
-          <p:cNvSpPr txBox="1"/>
-          <p:nvPr/>
-        </p:nvSpPr>
-        <p:spPr>
-          <a:xfrm>
-            <a:off x="2673845" y="4027787"/>
-            <a:ext cx="220343" cy="215444"/>
-          </a:xfrm>
-          <a:prstGeom prst="rect">
-            <a:avLst/>
-          </a:prstGeom>
-          <a:noFill/>
-        </p:spPr>
-        <p:txBody>
-          <a:bodyPr wrap="square" lIns="0" tIns="0" rIns="0" bIns="0" rtlCol="0">
-            <a:spAutoFit/>
-          </a:bodyPr>
-          <a:lstStyle>
-            <a:defPPr>
-              <a:defRPr lang="en-US"/>
-            </a:defPPr>
-            <a:lvl1pPr algn="r">
-              <a:defRPr sz="1400">
-                <a:solidFill>
-                  <a:srgbClr val="0070C0"/>
-                </a:solidFill>
-              </a:defRPr>
-            </a:lvl1pPr>
-          </a:lstStyle>
-          <a:p>
-            <a:r>
-              <a:rPr lang="en-US" dirty="0"/>
-              <a:t>d</a:t>
-            </a:r>
-          </a:p>
-        </p:txBody>
-      </p:sp>
-      <p:sp>
-        <p:nvSpPr>
-          <p:cNvPr id="40" name="Rectangle 62"/>
-          <p:cNvSpPr/>
-          <p:nvPr/>
-        </p:nvSpPr>
-        <p:spPr>
-          <a:xfrm>
-            <a:off x="4231981" y="2929839"/>
-            <a:ext cx="1778201" cy="432035"/>
-          </a:xfrm>
-          <a:prstGeom prst="rect">
-            <a:avLst/>
-          </a:prstGeom>
-          <a:solidFill>
-            <a:srgbClr val="0070C0"/>
-          </a:solidFill>
-          <a:ln w="19050">
-            <a:solidFill>
-              <a:srgbClr val="0070C0"/>
-            </a:solidFill>
-          </a:ln>
-          <a:effectLst/>
-        </p:spPr>
-        <p:style>
-          <a:lnRef idx="1">
-            <a:schemeClr val="accent2"/>
-          </a:lnRef>
-          <a:fillRef idx="2">
-            <a:schemeClr val="accent2"/>
-          </a:fillRef>
-          <a:effectRef idx="1">
-            <a:schemeClr val="accent2"/>
-          </a:effectRef>
-          <a:fontRef idx="minor">
-            <a:schemeClr val="dk1"/>
-          </a:fontRef>
-        </p:style>
-        <p:txBody>
-          <a:bodyPr rtlCol="0" anchor="ctr"/>
-          <a:lstStyle/>
-          <a:p>
-            <a:pPr algn="ctr"/>
-            <a:r>
-              <a:rPr lang="en-US" sz="1600" dirty="0">
-                <a:solidFill>
-                  <a:schemeClr val="bg1"/>
-                </a:solidFill>
-              </a:rPr>
-              <a:t>:</a:t>
-            </a:r>
-            <a:r>
-              <a:rPr lang="en-US" sz="1600" dirty="0" err="1">
-                <a:solidFill>
-                  <a:schemeClr val="bg1"/>
-                </a:solidFill>
-              </a:rPr>
-              <a:t>DeleteCommand</a:t>
-            </a:r>
-            <a:endParaRPr lang="en-US" sz="1600" dirty="0">
-              <a:solidFill>
-                <a:schemeClr val="bg1"/>
-              </a:solidFill>
-            </a:endParaRPr>
-          </a:p>
-          <a:p>
-            <a:pPr algn="ctr"/>
-            <a:r>
-              <a:rPr lang="en-US" sz="1600" dirty="0">
-                <a:solidFill>
-                  <a:schemeClr val="bg1"/>
-                </a:solidFill>
-              </a:rPr>
-              <a:t>Parser</a:t>
-            </a:r>
-            <a:endParaRPr lang="en-SG" sz="1600" dirty="0">
-              <a:solidFill>
-                <a:schemeClr val="bg1"/>
-              </a:solidFill>
-            </a:endParaRPr>
-          </a:p>
-        </p:txBody>
-      </p:sp>
-      <p:cxnSp>
-        <p:nvCxnSpPr>
-          <p:cNvPr id="8" name="Straight Arrow Connector 7"/>
-          <p:cNvCxnSpPr/>
-          <p:nvPr/>
-        </p:nvCxnSpPr>
-        <p:spPr>
-          <a:xfrm>
-            <a:off x="3462591" y="3657600"/>
-            <a:ext cx="1597356" cy="1"/>
-          </a:xfrm>
-          <a:prstGeom prst="straightConnector1">
-            <a:avLst/>
-          </a:prstGeom>
-          <a:ln w="19050">
-            <a:headEnd type="none" w="med" len="med"/>
-            <a:tailEnd type="arrow" w="med" len="med"/>
-          </a:ln>
-        </p:spPr>
-        <p:style>
-          <a:lnRef idx="1">
-            <a:schemeClr val="accent1"/>
-          </a:lnRef>
-          <a:fillRef idx="0">
-            <a:schemeClr val="accent1"/>
-          </a:fillRef>
-          <a:effectRef idx="0">
-            <a:schemeClr val="accent1"/>
-          </a:effectRef>
-          <a:fontRef idx="minor">
-            <a:schemeClr val="tx1"/>
-          </a:fontRef>
-        </p:style>
-      </p:cxnSp>
-      <p:sp>
-        <p:nvSpPr>
-          <p:cNvPr id="45" name="Rectangle 44"/>
-          <p:cNvSpPr/>
-          <p:nvPr/>
-        </p:nvSpPr>
-        <p:spPr>
-          <a:xfrm>
-            <a:off x="5059947" y="3352800"/>
-            <a:ext cx="205843" cy="123165"/>
-          </a:xfrm>
-          <a:prstGeom prst="rect">
-            <a:avLst/>
-          </a:prstGeom>
-          <a:solidFill>
-            <a:srgbClr val="0070C0"/>
-          </a:solidFill>
-          <a:ln>
-            <a:solidFill>
-              <a:srgbClr val="0070C0"/>
-            </a:solidFill>
-          </a:ln>
-          <a:effectLst/>
-        </p:spPr>
-        <p:style>
-          <a:lnRef idx="1">
-            <a:schemeClr val="accent3"/>
-          </a:lnRef>
-          <a:fillRef idx="2">
-            <a:schemeClr val="accent3"/>
-          </a:fillRef>
-          <a:effectRef idx="1">
-            <a:schemeClr val="accent3"/>
-          </a:effectRef>
-          <a:fontRef idx="minor">
-            <a:schemeClr val="dk1"/>
-          </a:fontRef>
-        </p:style>
-        <p:txBody>
-          <a:bodyPr rtlCol="0" anchor="ctr"/>
-          <a:lstStyle/>
-          <a:p>
-            <a:pPr algn="ctr"/>
-            <a:endParaRPr lang="en-SG" sz="1400"/>
-          </a:p>
-        </p:txBody>
-      </p:sp>
-      <p:cxnSp>
-        <p:nvCxnSpPr>
-          <p:cNvPr id="46" name="Straight Connector 45"/>
-          <p:cNvCxnSpPr>
-            <a:stCxn id="45" idx="0"/>
-          </p:cNvCxnSpPr>
-          <p:nvPr/>
-        </p:nvCxnSpPr>
-        <p:spPr>
-          <a:xfrm>
-            <a:off x="5162869" y="3352800"/>
-            <a:ext cx="0" cy="990600"/>
-          </a:xfrm>
-          <a:prstGeom prst="line">
-            <a:avLst/>
-          </a:prstGeom>
-          <a:ln w="19050">
-            <a:solidFill>
-              <a:srgbClr val="0070C0"/>
-            </a:solidFill>
-            <a:prstDash val="sysDash"/>
-          </a:ln>
-          <a:effectLst/>
-        </p:spPr>
-        <p:style>
-          <a:lnRef idx="1">
-            <a:schemeClr val="accent1"/>
-          </a:lnRef>
-          <a:fillRef idx="2">
-            <a:schemeClr val="accent1"/>
-          </a:fillRef>
-          <a:effectRef idx="1">
-            <a:schemeClr val="accent1"/>
-          </a:effectRef>
-          <a:fontRef idx="minor">
-            <a:schemeClr val="dk1"/>
-          </a:fontRef>
-        </p:style>
-      </p:cxnSp>
-      <p:sp>
-        <p:nvSpPr>
-          <p:cNvPr id="49" name="Rectangle 48"/>
-          <p:cNvSpPr/>
-          <p:nvPr/>
-        </p:nvSpPr>
-        <p:spPr>
-          <a:xfrm>
-            <a:off x="5059947" y="3657601"/>
-            <a:ext cx="205843" cy="533400"/>
-          </a:xfrm>
-          <a:prstGeom prst="rect">
-            <a:avLst/>
-          </a:prstGeom>
-          <a:solidFill>
-            <a:srgbClr val="0070C0"/>
-          </a:solidFill>
-          <a:ln>
-            <a:solidFill>
-              <a:srgbClr val="0070C0"/>
-            </a:solidFill>
-          </a:ln>
-          <a:effectLst/>
-        </p:spPr>
-        <p:style>
-          <a:lnRef idx="1">
-            <a:schemeClr val="accent3"/>
-          </a:lnRef>
-          <a:fillRef idx="2">
-            <a:schemeClr val="accent3"/>
-          </a:fillRef>
-          <a:effectRef idx="1">
-            <a:schemeClr val="accent3"/>
-          </a:effectRef>
-          <a:fontRef idx="minor">
-            <a:schemeClr val="dk1"/>
-          </a:fontRef>
-        </p:style>
-        <p:txBody>
-          <a:bodyPr rtlCol="0" anchor="ctr"/>
-          <a:lstStyle/>
-          <a:p>
-            <a:pPr algn="ctr"/>
-            <a:endParaRPr lang="en-SG" sz="1400"/>
-          </a:p>
-        </p:txBody>
-      </p:sp>
-      <p:cxnSp>
-        <p:nvCxnSpPr>
-          <p:cNvPr id="51" name="Straight Arrow Connector 50"/>
-          <p:cNvCxnSpPr/>
-          <p:nvPr/>
-        </p:nvCxnSpPr>
-        <p:spPr>
-          <a:xfrm>
-            <a:off x="3499382" y="4185073"/>
-            <a:ext cx="1667219" cy="0"/>
-          </a:xfrm>
-          <a:prstGeom prst="straightConnector1">
-            <a:avLst/>
-          </a:prstGeom>
-          <a:ln w="19050">
-            <a:solidFill>
-              <a:srgbClr val="0070C0"/>
-            </a:solidFill>
-            <a:prstDash val="sysDash"/>
-            <a:headEnd type="arrow" w="med" len="med"/>
-            <a:tailEnd type="none" w="med" len="med"/>
-          </a:ln>
-        </p:spPr>
-        <p:style>
-          <a:lnRef idx="1">
-            <a:schemeClr val="accent1"/>
-          </a:lnRef>
-          <a:fillRef idx="0">
-            <a:schemeClr val="accent1"/>
-          </a:fillRef>
-          <a:effectRef idx="0">
-            <a:schemeClr val="accent1"/>
-          </a:effectRef>
-          <a:fontRef idx="minor">
-            <a:schemeClr val="tx1"/>
-          </a:fontRef>
-        </p:style>
-      </p:cxnSp>
+              <a:rPr lang="en-US" dirty="0" smtClean="0"/>
+              <a:t>r</a:t>
+            </a:r>
+            <a:endParaRPr lang="en-US" dirty="0"/>
+          </a:p>
+        </p:txBody>
+      </p:sp>
       <p:cxnSp>
         <p:nvCxnSpPr>
           <p:cNvPr id="13" name="Straight Arrow Connector 12"/>
@@ -5361,13 +4680,15 @@
       <p:cxnSp>
         <p:nvCxnSpPr>
           <p:cNvPr id="50" name="Straight Arrow Connector 49"/>
-          <p:cNvCxnSpPr/>
+          <p:cNvCxnSpPr>
+            <a:endCxn id="19" idx="1"/>
+          </p:cNvCxnSpPr>
           <p:nvPr/>
         </p:nvCxnSpPr>
         <p:spPr>
           <a:xfrm>
-            <a:off x="3412425" y="3173004"/>
-            <a:ext cx="819556" cy="1"/>
+            <a:off x="3459519" y="3543509"/>
+            <a:ext cx="2762046" cy="0"/>
           </a:xfrm>
           <a:prstGeom prst="straightConnector1">
             <a:avLst/>
@@ -5377,6 +4698,77 @@
               <a:srgbClr val="0070C0"/>
             </a:solidFill>
             <a:tailEnd type="arrow"/>
+          </a:ln>
+        </p:spPr>
+        <p:style>
+          <a:lnRef idx="1">
+            <a:schemeClr val="accent1"/>
+          </a:lnRef>
+          <a:fillRef idx="0">
+            <a:schemeClr val="accent1"/>
+          </a:fillRef>
+          <a:effectRef idx="0">
+            <a:schemeClr val="accent1"/>
+          </a:effectRef>
+          <a:fontRef idx="minor">
+            <a:schemeClr val="tx1"/>
+          </a:fontRef>
+        </p:style>
+      </p:cxnSp>
+      <p:sp>
+        <p:nvSpPr>
+          <p:cNvPr id="4" name="TextBox 3"/>
+          <p:cNvSpPr txBox="1"/>
+          <p:nvPr/>
+        </p:nvSpPr>
+        <p:spPr>
+          <a:xfrm>
+            <a:off x="5033665" y="4199590"/>
+            <a:ext cx="258404" cy="261610"/>
+          </a:xfrm>
+          <a:prstGeom prst="rect">
+            <a:avLst/>
+          </a:prstGeom>
+          <a:noFill/>
+        </p:spPr>
+        <p:txBody>
+          <a:bodyPr wrap="none" rtlCol="0">
+            <a:spAutoFit/>
+          </a:bodyPr>
+          <a:lstStyle/>
+          <a:p>
+            <a:r>
+              <a:rPr lang="en-SG" sz="1100" dirty="0">
+                <a:solidFill>
+                  <a:srgbClr val="002060"/>
+                </a:solidFill>
+              </a:rPr>
+              <a:t>X</a:t>
+            </a:r>
+          </a:p>
+        </p:txBody>
+      </p:sp>
+      <p:cxnSp>
+        <p:nvCxnSpPr>
+          <p:cNvPr id="53" name="Straight Arrow Connector 52"/>
+          <p:cNvCxnSpPr/>
+          <p:nvPr/>
+        </p:nvCxnSpPr>
+        <p:spPr>
+          <a:xfrm>
+            <a:off x="3459519" y="4047593"/>
+            <a:ext cx="3236855" cy="0"/>
+          </a:xfrm>
+          <a:prstGeom prst="straightConnector1">
+            <a:avLst/>
+          </a:prstGeom>
+          <a:ln w="19050">
+            <a:solidFill>
+              <a:srgbClr val="0070C0"/>
+            </a:solidFill>
+            <a:prstDash val="sysDash"/>
+            <a:headEnd type="arrow" w="med" len="med"/>
+            <a:tailEnd type="none" w="med" len="med"/>
           </a:ln>
         </p:spPr>
         <p:style>
@@ -5396,14 +4788,14 @@
       </p:cxnSp>
       <p:cxnSp>
         <p:nvCxnSpPr>
-          <p:cNvPr id="52" name="Straight Arrow Connector 51"/>
+          <p:cNvPr id="54" name="Straight Arrow Connector 53"/>
           <p:cNvCxnSpPr/>
           <p:nvPr/>
         </p:nvCxnSpPr>
         <p:spPr>
           <a:xfrm>
-            <a:off x="3459519" y="3475965"/>
-            <a:ext cx="1600428" cy="0"/>
+            <a:off x="6772574" y="4572000"/>
+            <a:ext cx="1990426" cy="0"/>
           </a:xfrm>
           <a:prstGeom prst="straightConnector1">
             <a:avLst/>
@@ -5412,9 +4804,7 @@
             <a:solidFill>
               <a:srgbClr val="0070C0"/>
             </a:solidFill>
-            <a:prstDash val="sysDash"/>
-            <a:headEnd type="arrow" w="med" len="med"/>
-            <a:tailEnd type="none" w="med" len="med"/>
+            <a:tailEnd type="arrow"/>
           </a:ln>
         </p:spPr>
         <p:style>
@@ -5434,14 +4824,14 @@
       </p:cxnSp>
       <p:sp>
         <p:nvSpPr>
-          <p:cNvPr id="4" name="TextBox 3"/>
+          <p:cNvPr id="58" name="TextBox 57"/>
           <p:cNvSpPr txBox="1"/>
           <p:nvPr/>
         </p:nvSpPr>
         <p:spPr>
           <a:xfrm>
-            <a:off x="5033665" y="4199590"/>
-            <a:ext cx="258404" cy="261610"/>
+            <a:off x="6810937" y="4328163"/>
+            <a:ext cx="2180663" cy="215444"/>
           </a:xfrm>
           <a:prstGeom prst="rect">
             <a:avLst/>
@@ -5449,19 +4839,35 @@
           <a:noFill/>
         </p:spPr>
         <p:txBody>
-          <a:bodyPr wrap="none" rtlCol="0">
+          <a:bodyPr wrap="square" lIns="0" tIns="0" rIns="0" bIns="0" rtlCol="0">
             <a:spAutoFit/>
           </a:bodyPr>
-          <a:lstStyle/>
-          <a:p>
-            <a:r>
-              <a:rPr lang="en-SG" sz="1100" dirty="0">
+          <a:lstStyle>
+            <a:defPPr>
+              <a:defRPr lang="en-US"/>
+            </a:defPPr>
+            <a:lvl1pPr algn="r">
+              <a:defRPr sz="1400">
                 <a:solidFill>
-                  <a:srgbClr val="002060"/>
+                  <a:srgbClr val="0070C0"/>
                 </a:solidFill>
-              </a:rPr>
-              <a:t>X</a:t>
-            </a:r>
+              </a:defRPr>
+            </a:lvl1pPr>
+          </a:lstStyle>
+          <a:p>
+            <a:r>
+              <a:rPr lang="en-US" dirty="0" smtClean="0"/>
+              <a:t>Post(Calendar </a:t>
+            </a:r>
+            <a:r>
+              <a:rPr lang="en-US" dirty="0" err="1" smtClean="0"/>
+              <a:t>unfocus</a:t>
+            </a:r>
+            <a:r>
+              <a:rPr lang="en-US" dirty="0" smtClean="0"/>
+              <a:t> event)</a:t>
+            </a:r>
+            <a:endParaRPr lang="en-US" dirty="0"/>
           </a:p>
         </p:txBody>
       </p:sp>
